--- a/java/slides/ppt/12 - Java Data Access (IO Framework).pptx
+++ b/java/slides/ppt/12 - Java Data Access (IO Framework).pptx
@@ -2754,7 +2754,7 @@
           <a:blip r:embed="rId13">
             <a:extLst>
               <a:ext uri="{28A0092B-C50C-407E-A947-70E740481C1C}">
-                <a14:useLocalDpi xmlns:a14="http://schemas.microsoft.com/office/drawing/2010/main" val="0"/>
+                <a14:useLocalDpi xmlns:a14="http://schemas.microsoft.com/office/drawing/2010/main"/>
               </a:ext>
             </a:extLst>
           </a:blip>
@@ -3206,10 +3206,10 @@
           </p:nvPr>
         </p:nvPicPr>
         <p:blipFill>
-          <a:blip r:embed="rId2">
+          <a:blip r:embed="rId2" cstate="screen">
             <a:extLst>
               <a:ext uri="{28A0092B-C50C-407E-A947-70E740481C1C}">
-                <a14:useLocalDpi xmlns:a14="http://schemas.microsoft.com/office/drawing/2010/main" val="0"/>
+                <a14:useLocalDpi xmlns:a14="http://schemas.microsoft.com/office/drawing/2010/main"/>
               </a:ext>
             </a:extLst>
           </a:blip>
@@ -3234,14 +3234,14 @@
           <p:nvPr/>
         </p:nvPicPr>
         <p:blipFill rotWithShape="1">
-          <a:blip r:embed="rId3">
+          <a:blip r:embed="rId3" cstate="screen">
             <a:extLst>
               <a:ext uri="{28A0092B-C50C-407E-A947-70E740481C1C}">
-                <a14:useLocalDpi xmlns:a14="http://schemas.microsoft.com/office/drawing/2010/main" val="0"/>
+                <a14:useLocalDpi xmlns:a14="http://schemas.microsoft.com/office/drawing/2010/main"/>
               </a:ext>
             </a:extLst>
           </a:blip>
-          <a:srcRect t="-8398" b="7519"/>
+          <a:srcRect t="-9081"/>
           <a:stretch/>
         </p:blipFill>
         <p:spPr>
@@ -3326,10 +3326,10 @@
           </p:nvPr>
         </p:nvPicPr>
         <p:blipFill>
-          <a:blip r:embed="rId2">
+          <a:blip r:embed="rId2" cstate="screen">
             <a:extLst>
               <a:ext uri="{28A0092B-C50C-407E-A947-70E740481C1C}">
-                <a14:useLocalDpi xmlns:a14="http://schemas.microsoft.com/office/drawing/2010/main" val="0"/>
+                <a14:useLocalDpi xmlns:a14="http://schemas.microsoft.com/office/drawing/2010/main"/>
               </a:ext>
             </a:extLst>
           </a:blip>
@@ -3354,10 +3354,10 @@
           <p:nvPr/>
         </p:nvPicPr>
         <p:blipFill>
-          <a:blip r:embed="rId3">
+          <a:blip r:embed="rId3" cstate="screen">
             <a:extLst>
               <a:ext uri="{28A0092B-C50C-407E-A947-70E740481C1C}">
-                <a14:useLocalDpi xmlns:a14="http://schemas.microsoft.com/office/drawing/2010/main" val="0"/>
+                <a14:useLocalDpi xmlns:a14="http://schemas.microsoft.com/office/drawing/2010/main"/>
               </a:ext>
             </a:extLst>
           </a:blip>
@@ -5496,10 +5496,10 @@
           <p:nvPr/>
         </p:nvPicPr>
         <p:blipFill>
-          <a:blip r:embed="rId2">
+          <a:blip r:embed="rId2" cstate="screen">
             <a:extLst>
               <a:ext uri="{28A0092B-C50C-407E-A947-70E740481C1C}">
-                <a14:useLocalDpi xmlns:a14="http://schemas.microsoft.com/office/drawing/2010/main" val="0"/>
+                <a14:useLocalDpi xmlns:a14="http://schemas.microsoft.com/office/drawing/2010/main"/>
               </a:ext>
             </a:extLst>
           </a:blip>
@@ -5534,10 +5534,10 @@
           </p:nvPr>
         </p:nvPicPr>
         <p:blipFill>
-          <a:blip r:embed="rId3">
+          <a:blip r:embed="rId3" cstate="screen">
             <a:extLst>
               <a:ext uri="{28A0092B-C50C-407E-A947-70E740481C1C}">
-                <a14:useLocalDpi xmlns:a14="http://schemas.microsoft.com/office/drawing/2010/main" val="0"/>
+                <a14:useLocalDpi xmlns:a14="http://schemas.microsoft.com/office/drawing/2010/main"/>
               </a:ext>
             </a:extLst>
           </a:blip>
@@ -5568,10 +5568,10 @@
           <p:nvPr/>
         </p:nvPicPr>
         <p:blipFill>
-          <a:blip r:embed="rId4">
+          <a:blip r:embed="rId4" cstate="screen">
             <a:extLst>
               <a:ext uri="{28A0092B-C50C-407E-A947-70E740481C1C}">
-                <a14:useLocalDpi xmlns:a14="http://schemas.microsoft.com/office/drawing/2010/main" val="0"/>
+                <a14:useLocalDpi xmlns:a14="http://schemas.microsoft.com/office/drawing/2010/main"/>
               </a:ext>
             </a:extLst>
           </a:blip>

--- a/java/slides/ppt/12 - Java Data Access (IO Framework).pptx
+++ b/java/slides/ppt/12 - Java Data Access (IO Framework).pptx
@@ -3078,10 +3078,16 @@
           <a:bodyPr/>
           <a:lstStyle/>
           <a:p>
-            <a:pPr algn="l"/>
-            <a:r>
-              <a:rPr lang="en-US" dirty="0"/>
-              <a:t>Java I/O</a:t>
+            <a:r>
+              <a:rPr lang="en-US" dirty="0"/>
+              <a:t>Java Data Access </a:t>
+            </a:r>
+            <a:br>
+              <a:rPr lang="en-US" dirty="0"/>
+            </a:br>
+            <a:r>
+              <a:rPr lang="en-US" dirty="0"/>
+              <a:t>(I/O Framework)</a:t>
             </a:r>
           </a:p>
         </p:txBody>

--- a/java/slides/ppt/12 - Java Data Access (IO Framework).pptx
+++ b/java/slides/ppt/12 - Java Data Access (IO Framework).pptx
@@ -1,9 +1,15 @@
 
 <file path=ppt/presentation.xml><?xml version="1.0" encoding="utf-8"?>
-<p:presentation xmlns:a="http://schemas.openxmlformats.org/drawingml/2006/main" xmlns:r="http://schemas.openxmlformats.org/officeDocument/2006/relationships" xmlns:p="http://schemas.openxmlformats.org/presentationml/2006/main" saveSubsetFonts="1" autoCompressPictures="0">
+<p:presentation xmlns:a="http://schemas.openxmlformats.org/drawingml/2006/main" xmlns:r="http://schemas.openxmlformats.org/officeDocument/2006/relationships" xmlns:p="http://schemas.openxmlformats.org/presentationml/2006/main" showSpecialPlsOnTitleSld="0" saveSubsetFonts="1">
   <p:sldMasterIdLst>
-    <p:sldMasterId id="2147483660" r:id="rId1"/>
+    <p:sldMasterId id="2147483672" r:id="rId1"/>
   </p:sldMasterIdLst>
+  <p:notesMasterIdLst>
+    <p:notesMasterId r:id="rId25"/>
+  </p:notesMasterIdLst>
+  <p:handoutMasterIdLst>
+    <p:handoutMasterId r:id="rId26"/>
+  </p:handoutMasterIdLst>
   <p:sldIdLst>
     <p:sldId id="256" r:id="rId2"/>
     <p:sldId id="307" r:id="rId3"/>
@@ -29,13 +35,13 @@
     <p:sldId id="330" r:id="rId23"/>
     <p:sldId id="327" r:id="rId24"/>
   </p:sldIdLst>
-  <p:sldSz cx="9144000" cy="6858000" type="screen4x3"/>
+  <p:sldSz cx="12192000" cy="6858000"/>
   <p:notesSz cx="6858000" cy="9144000"/>
   <p:defaultTextStyle>
     <a:defPPr>
-      <a:defRPr lang="en-US"/>
+      <a:defRPr lang="it-IT"/>
     </a:defPPr>
-    <a:lvl1pPr marL="0" algn="l" defTabSz="457200" rtl="0" eaLnBrk="1" latinLnBrk="0" hangingPunct="1">
+    <a:lvl1pPr marL="0" algn="l" defTabSz="914400" rtl="0" eaLnBrk="1" latinLnBrk="0" hangingPunct="1">
       <a:defRPr sz="1800" kern="1200">
         <a:solidFill>
           <a:schemeClr val="tx1"/>
@@ -45,7 +51,7 @@
         <a:cs typeface="+mn-cs"/>
       </a:defRPr>
     </a:lvl1pPr>
-    <a:lvl2pPr marL="457200" algn="l" defTabSz="457200" rtl="0" eaLnBrk="1" latinLnBrk="0" hangingPunct="1">
+    <a:lvl2pPr marL="457200" algn="l" defTabSz="914400" rtl="0" eaLnBrk="1" latinLnBrk="0" hangingPunct="1">
       <a:defRPr sz="1800" kern="1200">
         <a:solidFill>
           <a:schemeClr val="tx1"/>
@@ -55,7 +61,7 @@
         <a:cs typeface="+mn-cs"/>
       </a:defRPr>
     </a:lvl2pPr>
-    <a:lvl3pPr marL="914400" algn="l" defTabSz="457200" rtl="0" eaLnBrk="1" latinLnBrk="0" hangingPunct="1">
+    <a:lvl3pPr marL="914400" algn="l" defTabSz="914400" rtl="0" eaLnBrk="1" latinLnBrk="0" hangingPunct="1">
       <a:defRPr sz="1800" kern="1200">
         <a:solidFill>
           <a:schemeClr val="tx1"/>
@@ -65,7 +71,7 @@
         <a:cs typeface="+mn-cs"/>
       </a:defRPr>
     </a:lvl3pPr>
-    <a:lvl4pPr marL="1371600" algn="l" defTabSz="457200" rtl="0" eaLnBrk="1" latinLnBrk="0" hangingPunct="1">
+    <a:lvl4pPr marL="1371600" algn="l" defTabSz="914400" rtl="0" eaLnBrk="1" latinLnBrk="0" hangingPunct="1">
       <a:defRPr sz="1800" kern="1200">
         <a:solidFill>
           <a:schemeClr val="tx1"/>
@@ -75,7 +81,7 @@
         <a:cs typeface="+mn-cs"/>
       </a:defRPr>
     </a:lvl4pPr>
-    <a:lvl5pPr marL="1828800" algn="l" defTabSz="457200" rtl="0" eaLnBrk="1" latinLnBrk="0" hangingPunct="1">
+    <a:lvl5pPr marL="1828800" algn="l" defTabSz="914400" rtl="0" eaLnBrk="1" latinLnBrk="0" hangingPunct="1">
       <a:defRPr sz="1800" kern="1200">
         <a:solidFill>
           <a:schemeClr val="tx1"/>
@@ -85,7 +91,7 @@
         <a:cs typeface="+mn-cs"/>
       </a:defRPr>
     </a:lvl5pPr>
-    <a:lvl6pPr marL="2286000" algn="l" defTabSz="457200" rtl="0" eaLnBrk="1" latinLnBrk="0" hangingPunct="1">
+    <a:lvl6pPr marL="2286000" algn="l" defTabSz="914400" rtl="0" eaLnBrk="1" latinLnBrk="0" hangingPunct="1">
       <a:defRPr sz="1800" kern="1200">
         <a:solidFill>
           <a:schemeClr val="tx1"/>
@@ -95,7 +101,7 @@
         <a:cs typeface="+mn-cs"/>
       </a:defRPr>
     </a:lvl6pPr>
-    <a:lvl7pPr marL="2743200" algn="l" defTabSz="457200" rtl="0" eaLnBrk="1" latinLnBrk="0" hangingPunct="1">
+    <a:lvl7pPr marL="2743200" algn="l" defTabSz="914400" rtl="0" eaLnBrk="1" latinLnBrk="0" hangingPunct="1">
       <a:defRPr sz="1800" kern="1200">
         <a:solidFill>
           <a:schemeClr val="tx1"/>
@@ -105,7 +111,7 @@
         <a:cs typeface="+mn-cs"/>
       </a:defRPr>
     </a:lvl7pPr>
-    <a:lvl8pPr marL="3200400" algn="l" defTabSz="457200" rtl="0" eaLnBrk="1" latinLnBrk="0" hangingPunct="1">
+    <a:lvl8pPr marL="3200400" algn="l" defTabSz="914400" rtl="0" eaLnBrk="1" latinLnBrk="0" hangingPunct="1">
       <a:defRPr sz="1800" kern="1200">
         <a:solidFill>
           <a:schemeClr val="tx1"/>
@@ -115,7 +121,7 @@
         <a:cs typeface="+mn-cs"/>
       </a:defRPr>
     </a:lvl8pPr>
-    <a:lvl9pPr marL="3657600" algn="l" defTabSz="457200" rtl="0" eaLnBrk="1" latinLnBrk="0" hangingPunct="1">
+    <a:lvl9pPr marL="3657600" algn="l" defTabSz="914400" rtl="0" eaLnBrk="1" latinLnBrk="0" hangingPunct="1">
       <a:defRPr sz="1800" kern="1200">
         <a:solidFill>
           <a:schemeClr val="tx1"/>
@@ -129,12 +135,12 @@
   <p:extLst>
     <p:ext uri="{EFAFB233-063F-42B5-8137-9DF3F51BA10A}">
       <p15:sldGuideLst xmlns:p15="http://schemas.microsoft.com/office/powerpoint/2012/main">
-        <p15:guide id="1" orient="horz" pos="2160">
+        <p15:guide id="1" orient="horz" pos="2160" userDrawn="1">
           <p15:clr>
             <a:srgbClr val="A4A3A4"/>
           </p15:clr>
         </p15:guide>
-        <p15:guide id="2" pos="2880">
+        <p15:guide id="2" pos="3840" userDrawn="1">
           <p15:clr>
             <a:srgbClr val="A4A3A4"/>
           </p15:clr>
@@ -145,8 +151,552 @@
 </p:presentation>
 </file>
 
+<file path=ppt/handoutMasters/handoutMaster1.xml><?xml version="1.0" encoding="utf-8"?>
+<p:handoutMaster xmlns:a="http://schemas.openxmlformats.org/drawingml/2006/main" xmlns:r="http://schemas.openxmlformats.org/officeDocument/2006/relationships" xmlns:p="http://schemas.openxmlformats.org/presentationml/2006/main">
+  <p:cSld>
+    <p:bg>
+      <p:bgRef idx="1001">
+        <a:schemeClr val="bg1"/>
+      </p:bgRef>
+    </p:bg>
+    <p:spTree>
+      <p:nvGrpSpPr>
+        <p:cNvPr id="1" name=""/>
+        <p:cNvGrpSpPr/>
+        <p:nvPr/>
+      </p:nvGrpSpPr>
+      <p:grpSpPr>
+        <a:xfrm>
+          <a:off x="0" y="0"/>
+          <a:ext cx="0" cy="0"/>
+          <a:chOff x="0" y="0"/>
+          <a:chExt cx="0" cy="0"/>
+        </a:xfrm>
+      </p:grpSpPr>
+      <p:sp>
+        <p:nvSpPr>
+          <p:cNvPr id="2" name="Header Placeholder 1">
+            <a:extLst>
+              <a:ext uri="{FF2B5EF4-FFF2-40B4-BE49-F238E27FC236}">
+                <a16:creationId xmlns:a16="http://schemas.microsoft.com/office/drawing/2014/main" id="{F25CBCAF-8195-0B41-9F39-155992CBB6CE}"/>
+              </a:ext>
+            </a:extLst>
+          </p:cNvPr>
+          <p:cNvSpPr>
+            <a:spLocks noGrp="1"/>
+          </p:cNvSpPr>
+          <p:nvPr>
+            <p:ph type="hdr" sz="quarter"/>
+          </p:nvPr>
+        </p:nvSpPr>
+        <p:spPr>
+          <a:xfrm>
+            <a:off x="0" y="0"/>
+            <a:ext cx="2971800" cy="458788"/>
+          </a:xfrm>
+          <a:prstGeom prst="rect">
+            <a:avLst/>
+          </a:prstGeom>
+        </p:spPr>
+        <p:txBody>
+          <a:bodyPr vert="horz" lIns="91440" tIns="45720" rIns="91440" bIns="45720" rtlCol="0"/>
+          <a:lstStyle>
+            <a:lvl1pPr algn="l">
+              <a:defRPr sz="1200"/>
+            </a:lvl1pPr>
+          </a:lstStyle>
+          <a:p>
+            <a:endParaRPr lang="en-IT"/>
+          </a:p>
+        </p:txBody>
+      </p:sp>
+      <p:sp>
+        <p:nvSpPr>
+          <p:cNvPr id="3" name="Date Placeholder 2">
+            <a:extLst>
+              <a:ext uri="{FF2B5EF4-FFF2-40B4-BE49-F238E27FC236}">
+                <a16:creationId xmlns:a16="http://schemas.microsoft.com/office/drawing/2014/main" id="{4530F5F1-56F9-594B-8002-505C0B3A9533}"/>
+              </a:ext>
+            </a:extLst>
+          </p:cNvPr>
+          <p:cNvSpPr>
+            <a:spLocks noGrp="1"/>
+          </p:cNvSpPr>
+          <p:nvPr>
+            <p:ph type="dt" sz="quarter" idx="1"/>
+          </p:nvPr>
+        </p:nvSpPr>
+        <p:spPr>
+          <a:xfrm>
+            <a:off x="3884613" y="0"/>
+            <a:ext cx="2971800" cy="458788"/>
+          </a:xfrm>
+          <a:prstGeom prst="rect">
+            <a:avLst/>
+          </a:prstGeom>
+        </p:spPr>
+        <p:txBody>
+          <a:bodyPr vert="horz" lIns="91440" tIns="45720" rIns="91440" bIns="45720" rtlCol="0"/>
+          <a:lstStyle>
+            <a:lvl1pPr algn="r">
+              <a:defRPr sz="1200"/>
+            </a:lvl1pPr>
+          </a:lstStyle>
+          <a:p>
+            <a:fld id="{5591E39A-28E5-5D4D-B97C-ECEB96F19817}" type="datetimeFigureOut">
+              <a:rPr lang="en-IT" smtClean="0"/>
+              <a:t>30/09/21</a:t>
+            </a:fld>
+            <a:endParaRPr lang="en-IT"/>
+          </a:p>
+        </p:txBody>
+      </p:sp>
+      <p:sp>
+        <p:nvSpPr>
+          <p:cNvPr id="4" name="Footer Placeholder 3">
+            <a:extLst>
+              <a:ext uri="{FF2B5EF4-FFF2-40B4-BE49-F238E27FC236}">
+                <a16:creationId xmlns:a16="http://schemas.microsoft.com/office/drawing/2014/main" id="{0D01DB9C-5FE6-5646-A4CF-CACE1FBFD1F6}"/>
+              </a:ext>
+            </a:extLst>
+          </p:cNvPr>
+          <p:cNvSpPr>
+            <a:spLocks noGrp="1"/>
+          </p:cNvSpPr>
+          <p:nvPr>
+            <p:ph type="ftr" sz="quarter" idx="2"/>
+          </p:nvPr>
+        </p:nvSpPr>
+        <p:spPr>
+          <a:xfrm>
+            <a:off x="0" y="8685213"/>
+            <a:ext cx="2971800" cy="458787"/>
+          </a:xfrm>
+          <a:prstGeom prst="rect">
+            <a:avLst/>
+          </a:prstGeom>
+        </p:spPr>
+        <p:txBody>
+          <a:bodyPr vert="horz" lIns="91440" tIns="45720" rIns="91440" bIns="45720" rtlCol="0" anchor="b"/>
+          <a:lstStyle>
+            <a:lvl1pPr algn="l">
+              <a:defRPr sz="1200"/>
+            </a:lvl1pPr>
+          </a:lstStyle>
+          <a:p>
+            <a:endParaRPr lang="en-IT"/>
+          </a:p>
+        </p:txBody>
+      </p:sp>
+      <p:sp>
+        <p:nvSpPr>
+          <p:cNvPr id="5" name="Slide Number Placeholder 4">
+            <a:extLst>
+              <a:ext uri="{FF2B5EF4-FFF2-40B4-BE49-F238E27FC236}">
+                <a16:creationId xmlns:a16="http://schemas.microsoft.com/office/drawing/2014/main" id="{1807AD1E-ED4D-4F49-B2E9-34CF7F0E16D1}"/>
+              </a:ext>
+            </a:extLst>
+          </p:cNvPr>
+          <p:cNvSpPr>
+            <a:spLocks noGrp="1"/>
+          </p:cNvSpPr>
+          <p:nvPr>
+            <p:ph type="sldNum" sz="quarter" idx="3"/>
+          </p:nvPr>
+        </p:nvSpPr>
+        <p:spPr>
+          <a:xfrm>
+            <a:off x="3884613" y="8685213"/>
+            <a:ext cx="2971800" cy="458787"/>
+          </a:xfrm>
+          <a:prstGeom prst="rect">
+            <a:avLst/>
+          </a:prstGeom>
+        </p:spPr>
+        <p:txBody>
+          <a:bodyPr vert="horz" lIns="91440" tIns="45720" rIns="91440" bIns="45720" rtlCol="0" anchor="b"/>
+          <a:lstStyle>
+            <a:lvl1pPr algn="r">
+              <a:defRPr sz="1200"/>
+            </a:lvl1pPr>
+          </a:lstStyle>
+          <a:p>
+            <a:fld id="{D8E6113E-382B-5C49-947E-9975DE242C1F}" type="slidenum">
+              <a:rPr lang="en-IT" smtClean="0"/>
+              <a:t>‹#›</a:t>
+            </a:fld>
+            <a:endParaRPr lang="en-IT"/>
+          </a:p>
+        </p:txBody>
+      </p:sp>
+    </p:spTree>
+    <p:extLst>
+      <p:ext uri="{BB962C8B-B14F-4D97-AF65-F5344CB8AC3E}">
+        <p14:creationId xmlns:p14="http://schemas.microsoft.com/office/powerpoint/2010/main" val="711723140"/>
+      </p:ext>
+    </p:extLst>
+  </p:cSld>
+  <p:clrMap bg1="lt1" tx1="dk1" bg2="lt2" tx2="dk2" accent1="accent1" accent2="accent2" accent3="accent3" accent4="accent4" accent5="accent5" accent6="accent6" hlink="hlink" folHlink="folHlink"/>
+  <p:hf hdr="0" ftr="0" dt="0"/>
+</p:handoutMaster>
+</file>
+
+<file path=ppt/notesMasters/notesMaster1.xml><?xml version="1.0" encoding="utf-8"?>
+<p:notesMaster xmlns:a="http://schemas.openxmlformats.org/drawingml/2006/main" xmlns:r="http://schemas.openxmlformats.org/officeDocument/2006/relationships" xmlns:p="http://schemas.openxmlformats.org/presentationml/2006/main">
+  <p:cSld>
+    <p:bg>
+      <p:bgRef idx="1001">
+        <a:schemeClr val="bg1"/>
+      </p:bgRef>
+    </p:bg>
+    <p:spTree>
+      <p:nvGrpSpPr>
+        <p:cNvPr id="1" name=""/>
+        <p:cNvGrpSpPr/>
+        <p:nvPr/>
+      </p:nvGrpSpPr>
+      <p:grpSpPr>
+        <a:xfrm>
+          <a:off x="0" y="0"/>
+          <a:ext cx="0" cy="0"/>
+          <a:chOff x="0" y="0"/>
+          <a:chExt cx="0" cy="0"/>
+        </a:xfrm>
+      </p:grpSpPr>
+      <p:sp>
+        <p:nvSpPr>
+          <p:cNvPr id="2" name="Segnaposto intestazione 1"/>
+          <p:cNvSpPr>
+            <a:spLocks noGrp="1"/>
+          </p:cNvSpPr>
+          <p:nvPr>
+            <p:ph type="hdr" sz="quarter"/>
+          </p:nvPr>
+        </p:nvSpPr>
+        <p:spPr>
+          <a:xfrm>
+            <a:off x="0" y="0"/>
+            <a:ext cx="2971800" cy="457200"/>
+          </a:xfrm>
+          <a:prstGeom prst="rect">
+            <a:avLst/>
+          </a:prstGeom>
+        </p:spPr>
+        <p:txBody>
+          <a:bodyPr vert="horz" lIns="91440" tIns="45720" rIns="91440" bIns="45720" rtlCol="0"/>
+          <a:lstStyle>
+            <a:lvl1pPr algn="l">
+              <a:defRPr sz="1200"/>
+            </a:lvl1pPr>
+          </a:lstStyle>
+          <a:p>
+            <a:endParaRPr lang="it-IT"/>
+          </a:p>
+        </p:txBody>
+      </p:sp>
+      <p:sp>
+        <p:nvSpPr>
+          <p:cNvPr id="3" name="Segnaposto data 2"/>
+          <p:cNvSpPr>
+            <a:spLocks noGrp="1"/>
+          </p:cNvSpPr>
+          <p:nvPr>
+            <p:ph type="dt" idx="1"/>
+          </p:nvPr>
+        </p:nvSpPr>
+        <p:spPr>
+          <a:xfrm>
+            <a:off x="3884613" y="0"/>
+            <a:ext cx="2971800" cy="457200"/>
+          </a:xfrm>
+          <a:prstGeom prst="rect">
+            <a:avLst/>
+          </a:prstGeom>
+        </p:spPr>
+        <p:txBody>
+          <a:bodyPr vert="horz" lIns="91440" tIns="45720" rIns="91440" bIns="45720" rtlCol="0"/>
+          <a:lstStyle>
+            <a:lvl1pPr algn="r">
+              <a:defRPr sz="1200"/>
+            </a:lvl1pPr>
+          </a:lstStyle>
+          <a:p>
+            <a:fld id="{BAEB7694-8561-4BE2-948D-EDF7A201F8BB}" type="datetimeFigureOut">
+              <a:rPr lang="it-IT" smtClean="0"/>
+              <a:pPr/>
+              <a:t>30/09/21</a:t>
+            </a:fld>
+            <a:endParaRPr lang="it-IT"/>
+          </a:p>
+        </p:txBody>
+      </p:sp>
+      <p:sp>
+        <p:nvSpPr>
+          <p:cNvPr id="4" name="Segnaposto immagine diapositiva 3"/>
+          <p:cNvSpPr>
+            <a:spLocks noGrp="1" noRot="1" noChangeAspect="1"/>
+          </p:cNvSpPr>
+          <p:nvPr>
+            <p:ph type="sldImg" idx="2"/>
+          </p:nvPr>
+        </p:nvSpPr>
+        <p:spPr>
+          <a:xfrm>
+            <a:off x="381000" y="685800"/>
+            <a:ext cx="6096000" cy="3429000"/>
+          </a:xfrm>
+          <a:prstGeom prst="rect">
+            <a:avLst/>
+          </a:prstGeom>
+          <a:noFill/>
+          <a:ln w="12700">
+            <a:solidFill>
+              <a:prstClr val="black"/>
+            </a:solidFill>
+          </a:ln>
+        </p:spPr>
+        <p:txBody>
+          <a:bodyPr vert="horz" lIns="91440" tIns="45720" rIns="91440" bIns="45720" rtlCol="0" anchor="ctr"/>
+          <a:lstStyle/>
+          <a:p>
+            <a:endParaRPr lang="it-IT"/>
+          </a:p>
+        </p:txBody>
+      </p:sp>
+      <p:sp>
+        <p:nvSpPr>
+          <p:cNvPr id="5" name="Segnaposto note 4"/>
+          <p:cNvSpPr>
+            <a:spLocks noGrp="1"/>
+          </p:cNvSpPr>
+          <p:nvPr>
+            <p:ph type="body" sz="quarter" idx="3"/>
+          </p:nvPr>
+        </p:nvSpPr>
+        <p:spPr>
+          <a:xfrm>
+            <a:off x="685800" y="4343400"/>
+            <a:ext cx="5486400" cy="4114800"/>
+          </a:xfrm>
+          <a:prstGeom prst="rect">
+            <a:avLst/>
+          </a:prstGeom>
+        </p:spPr>
+        <p:txBody>
+          <a:bodyPr vert="horz" lIns="91440" tIns="45720" rIns="91440" bIns="45720" rtlCol="0">
+            <a:normAutofit/>
+          </a:bodyPr>
+          <a:lstStyle/>
+          <a:p>
+            <a:pPr lvl="0"/>
+            <a:r>
+              <a:rPr lang="it-IT"/>
+              <a:t>Fare clic per modificare stili del testo dello schema</a:t>
+            </a:r>
+          </a:p>
+          <a:p>
+            <a:pPr lvl="1"/>
+            <a:r>
+              <a:rPr lang="it-IT"/>
+              <a:t>Secondo livello</a:t>
+            </a:r>
+          </a:p>
+          <a:p>
+            <a:pPr lvl="2"/>
+            <a:r>
+              <a:rPr lang="it-IT"/>
+              <a:t>Terzo livello</a:t>
+            </a:r>
+          </a:p>
+          <a:p>
+            <a:pPr lvl="3"/>
+            <a:r>
+              <a:rPr lang="it-IT"/>
+              <a:t>Quarto livello</a:t>
+            </a:r>
+          </a:p>
+          <a:p>
+            <a:pPr lvl="4"/>
+            <a:r>
+              <a:rPr lang="it-IT"/>
+              <a:t>Quinto livello</a:t>
+            </a:r>
+          </a:p>
+        </p:txBody>
+      </p:sp>
+      <p:sp>
+        <p:nvSpPr>
+          <p:cNvPr id="6" name="Segnaposto piè di pagina 5"/>
+          <p:cNvSpPr>
+            <a:spLocks noGrp="1"/>
+          </p:cNvSpPr>
+          <p:nvPr>
+            <p:ph type="ftr" sz="quarter" idx="4"/>
+          </p:nvPr>
+        </p:nvSpPr>
+        <p:spPr>
+          <a:xfrm>
+            <a:off x="0" y="8685213"/>
+            <a:ext cx="2971800" cy="457200"/>
+          </a:xfrm>
+          <a:prstGeom prst="rect">
+            <a:avLst/>
+          </a:prstGeom>
+        </p:spPr>
+        <p:txBody>
+          <a:bodyPr vert="horz" lIns="91440" tIns="45720" rIns="91440" bIns="45720" rtlCol="0" anchor="b"/>
+          <a:lstStyle>
+            <a:lvl1pPr algn="l">
+              <a:defRPr sz="1200"/>
+            </a:lvl1pPr>
+          </a:lstStyle>
+          <a:p>
+            <a:endParaRPr lang="it-IT"/>
+          </a:p>
+        </p:txBody>
+      </p:sp>
+      <p:sp>
+        <p:nvSpPr>
+          <p:cNvPr id="7" name="Segnaposto numero diapositiva 6"/>
+          <p:cNvSpPr>
+            <a:spLocks noGrp="1"/>
+          </p:cNvSpPr>
+          <p:nvPr>
+            <p:ph type="sldNum" sz="quarter" idx="5"/>
+          </p:nvPr>
+        </p:nvSpPr>
+        <p:spPr>
+          <a:xfrm>
+            <a:off x="3884613" y="8685213"/>
+            <a:ext cx="2971800" cy="457200"/>
+          </a:xfrm>
+          <a:prstGeom prst="rect">
+            <a:avLst/>
+          </a:prstGeom>
+        </p:spPr>
+        <p:txBody>
+          <a:bodyPr vert="horz" lIns="91440" tIns="45720" rIns="91440" bIns="45720" rtlCol="0" anchor="b"/>
+          <a:lstStyle>
+            <a:lvl1pPr algn="r">
+              <a:defRPr sz="1200"/>
+            </a:lvl1pPr>
+          </a:lstStyle>
+          <a:p>
+            <a:fld id="{475F0E4F-C068-4558-BD2C-4354A8A0FB1B}" type="slidenum">
+              <a:rPr lang="it-IT" smtClean="0"/>
+              <a:pPr/>
+              <a:t>‹#›</a:t>
+            </a:fld>
+            <a:endParaRPr lang="it-IT"/>
+          </a:p>
+        </p:txBody>
+      </p:sp>
+    </p:spTree>
+    <p:extLst>
+      <p:ext uri="{BB962C8B-B14F-4D97-AF65-F5344CB8AC3E}">
+        <p14:creationId xmlns:p14="http://schemas.microsoft.com/office/powerpoint/2010/main" val="2935502336"/>
+      </p:ext>
+    </p:extLst>
+  </p:cSld>
+  <p:clrMap bg1="lt1" tx1="dk1" bg2="lt2" tx2="dk2" accent1="accent1" accent2="accent2" accent3="accent3" accent4="accent4" accent5="accent5" accent6="accent6" hlink="hlink" folHlink="folHlink"/>
+  <p:hf hdr="0" ftr="0" dt="0"/>
+  <p:notesStyle>
+    <a:lvl1pPr marL="0" algn="l" defTabSz="914400" rtl="0" eaLnBrk="1" latinLnBrk="0" hangingPunct="1">
+      <a:defRPr sz="1200" kern="1200">
+        <a:solidFill>
+          <a:schemeClr val="tx1"/>
+        </a:solidFill>
+        <a:latin typeface="+mn-lt"/>
+        <a:ea typeface="+mn-ea"/>
+        <a:cs typeface="+mn-cs"/>
+      </a:defRPr>
+    </a:lvl1pPr>
+    <a:lvl2pPr marL="457200" algn="l" defTabSz="914400" rtl="0" eaLnBrk="1" latinLnBrk="0" hangingPunct="1">
+      <a:defRPr sz="1200" kern="1200">
+        <a:solidFill>
+          <a:schemeClr val="tx1"/>
+        </a:solidFill>
+        <a:latin typeface="+mn-lt"/>
+        <a:ea typeface="+mn-ea"/>
+        <a:cs typeface="+mn-cs"/>
+      </a:defRPr>
+    </a:lvl2pPr>
+    <a:lvl3pPr marL="914400" algn="l" defTabSz="914400" rtl="0" eaLnBrk="1" latinLnBrk="0" hangingPunct="1">
+      <a:defRPr sz="1200" kern="1200">
+        <a:solidFill>
+          <a:schemeClr val="tx1"/>
+        </a:solidFill>
+        <a:latin typeface="+mn-lt"/>
+        <a:ea typeface="+mn-ea"/>
+        <a:cs typeface="+mn-cs"/>
+      </a:defRPr>
+    </a:lvl3pPr>
+    <a:lvl4pPr marL="1371600" algn="l" defTabSz="914400" rtl="0" eaLnBrk="1" latinLnBrk="0" hangingPunct="1">
+      <a:defRPr sz="1200" kern="1200">
+        <a:solidFill>
+          <a:schemeClr val="tx1"/>
+        </a:solidFill>
+        <a:latin typeface="+mn-lt"/>
+        <a:ea typeface="+mn-ea"/>
+        <a:cs typeface="+mn-cs"/>
+      </a:defRPr>
+    </a:lvl4pPr>
+    <a:lvl5pPr marL="1828800" algn="l" defTabSz="914400" rtl="0" eaLnBrk="1" latinLnBrk="0" hangingPunct="1">
+      <a:defRPr sz="1200" kern="1200">
+        <a:solidFill>
+          <a:schemeClr val="tx1"/>
+        </a:solidFill>
+        <a:latin typeface="+mn-lt"/>
+        <a:ea typeface="+mn-ea"/>
+        <a:cs typeface="+mn-cs"/>
+      </a:defRPr>
+    </a:lvl5pPr>
+    <a:lvl6pPr marL="2286000" algn="l" defTabSz="914400" rtl="0" eaLnBrk="1" latinLnBrk="0" hangingPunct="1">
+      <a:defRPr sz="1200" kern="1200">
+        <a:solidFill>
+          <a:schemeClr val="tx1"/>
+        </a:solidFill>
+        <a:latin typeface="+mn-lt"/>
+        <a:ea typeface="+mn-ea"/>
+        <a:cs typeface="+mn-cs"/>
+      </a:defRPr>
+    </a:lvl6pPr>
+    <a:lvl7pPr marL="2743200" algn="l" defTabSz="914400" rtl="0" eaLnBrk="1" latinLnBrk="0" hangingPunct="1">
+      <a:defRPr sz="1200" kern="1200">
+        <a:solidFill>
+          <a:schemeClr val="tx1"/>
+        </a:solidFill>
+        <a:latin typeface="+mn-lt"/>
+        <a:ea typeface="+mn-ea"/>
+        <a:cs typeface="+mn-cs"/>
+      </a:defRPr>
+    </a:lvl7pPr>
+    <a:lvl8pPr marL="3200400" algn="l" defTabSz="914400" rtl="0" eaLnBrk="1" latinLnBrk="0" hangingPunct="1">
+      <a:defRPr sz="1200" kern="1200">
+        <a:solidFill>
+          <a:schemeClr val="tx1"/>
+        </a:solidFill>
+        <a:latin typeface="+mn-lt"/>
+        <a:ea typeface="+mn-ea"/>
+        <a:cs typeface="+mn-cs"/>
+      </a:defRPr>
+    </a:lvl8pPr>
+    <a:lvl9pPr marL="3657600" algn="l" defTabSz="914400" rtl="0" eaLnBrk="1" latinLnBrk="0" hangingPunct="1">
+      <a:defRPr sz="1200" kern="1200">
+        <a:solidFill>
+          <a:schemeClr val="tx1"/>
+        </a:solidFill>
+        <a:latin typeface="+mn-lt"/>
+        <a:ea typeface="+mn-ea"/>
+        <a:cs typeface="+mn-cs"/>
+      </a:defRPr>
+    </a:lvl9pPr>
+  </p:notesStyle>
+</p:notesMaster>
+</file>
+
 <file path=ppt/slideLayouts/slideLayout1.xml><?xml version="1.0" encoding="utf-8"?>
-<p:sldLayout xmlns:a="http://schemas.openxmlformats.org/drawingml/2006/main" xmlns:r="http://schemas.openxmlformats.org/officeDocument/2006/relationships" xmlns:p="http://schemas.openxmlformats.org/presentationml/2006/main" type="title" preserve="1">
+<p:sldLayout xmlns:a="http://schemas.openxmlformats.org/drawingml/2006/main" xmlns:r="http://schemas.openxmlformats.org/officeDocument/2006/relationships" xmlns:p="http://schemas.openxmlformats.org/presentationml/2006/main" preserve="1" userDrawn="1">
   <p:cSld name="Title Slide">
     <p:spTree>
       <p:nvGrpSpPr>
@@ -174,8 +724,8 @@
         </p:nvSpPr>
         <p:spPr>
           <a:xfrm>
-            <a:off x="685800" y="2130425"/>
-            <a:ext cx="7772400" cy="1470025"/>
+            <a:off x="914400" y="2130426"/>
+            <a:ext cx="10363200" cy="1470025"/>
           </a:xfrm>
         </p:spPr>
         <p:txBody>
@@ -183,7 +733,7 @@
           <a:lstStyle/>
           <a:p>
             <a:r>
-              <a:rPr lang="it-IT"/>
+              <a:rPr lang="en-GB"/>
               <a:t>Click to edit Master title style</a:t>
             </a:r>
             <a:endParaRPr lang="en-US"/>
@@ -202,18 +752,16 @@
         </p:nvSpPr>
         <p:spPr>
           <a:xfrm>
-            <a:off x="1371600" y="3886200"/>
-            <a:ext cx="6400800" cy="1752600"/>
+            <a:off x="1828800" y="3886200"/>
+            <a:ext cx="8534400" cy="1752600"/>
           </a:xfrm>
         </p:spPr>
         <p:txBody>
-          <a:bodyPr>
-            <a:normAutofit/>
-          </a:bodyPr>
+          <a:bodyPr/>
           <a:lstStyle>
-            <a:lvl1pPr marL="0" indent="0" algn="r">
+            <a:lvl1pPr marL="0" indent="0" algn="ctr">
               <a:buNone/>
-              <a:defRPr sz="1800">
+              <a:defRPr>
                 <a:solidFill>
                   <a:schemeClr val="tx1">
                     <a:tint val="75000"/>
@@ -304,10 +852,10 @@
           </a:lstStyle>
           <a:p>
             <a:r>
-              <a:rPr lang="it-IT"/>
+              <a:rPr lang="en-GB"/>
               <a:t>Click to edit Master subtitle style</a:t>
             </a:r>
-            <a:endParaRPr lang="en-US" dirty="0"/>
+            <a:endParaRPr lang="en-US"/>
           </a:p>
         </p:txBody>
       </p:sp>
@@ -323,8 +871,8 @@
         </p:nvSpPr>
         <p:spPr>
           <a:xfrm>
-            <a:off x="3836609" y="6362700"/>
-            <a:ext cx="4850191" cy="365125"/>
+            <a:off x="5115480" y="6362701"/>
+            <a:ext cx="6466921" cy="365125"/>
           </a:xfrm>
           <a:prstGeom prst="rect">
             <a:avLst/>
@@ -334,11 +882,12 @@
           <a:bodyPr/>
           <a:lstStyle/>
           <a:p>
-            <a:fld id="{B0C43BE2-C3DB-1649-80AB-79CFABC9D3BB}" type="slidenum">
-              <a:rPr lang="en-US" smtClean="0"/>
+            <a:fld id="{D2040F39-7941-49A4-B48D-F201B18B6351}" type="slidenum">
+              <a:rPr lang="it-IT" smtClean="0"/>
+              <a:pPr/>
               <a:t>‹#›</a:t>
             </a:fld>
-            <a:endParaRPr lang="en-US"/>
+            <a:endParaRPr lang="it-IT" dirty="0"/>
           </a:p>
         </p:txBody>
       </p:sp>
@@ -350,8 +899,8 @@
         </p:nvCxnSpPr>
         <p:spPr>
           <a:xfrm flipV="1">
-            <a:off x="457200" y="3600450"/>
-            <a:ext cx="8686800" cy="2"/>
+            <a:off x="609600" y="3600450"/>
+            <a:ext cx="11582400" cy="2"/>
           </a:xfrm>
           <a:prstGeom prst="line">
             <a:avLst/>
@@ -432,7 +981,7 @@
           <a:lstStyle/>
           <a:p>
             <a:r>
-              <a:rPr lang="it-IT"/>
+              <a:rPr lang="en-GB"/>
               <a:t>Click to edit Master title style</a:t>
             </a:r>
             <a:endParaRPr lang="en-US"/>
@@ -456,35 +1005,35 @@
           <a:p>
             <a:pPr lvl="0"/>
             <a:r>
-              <a:rPr lang="it-IT"/>
+              <a:rPr lang="en-GB"/>
               <a:t>Click to edit Master text styles</a:t>
             </a:r>
           </a:p>
           <a:p>
             <a:pPr lvl="1"/>
             <a:r>
-              <a:rPr lang="it-IT"/>
+              <a:rPr lang="en-GB"/>
               <a:t>Second level</a:t>
             </a:r>
           </a:p>
           <a:p>
             <a:pPr lvl="2"/>
             <a:r>
-              <a:rPr lang="it-IT"/>
+              <a:rPr lang="en-GB"/>
               <a:t>Third level</a:t>
             </a:r>
           </a:p>
           <a:p>
             <a:pPr lvl="3"/>
             <a:r>
-              <a:rPr lang="it-IT"/>
+              <a:rPr lang="en-GB"/>
               <a:t>Fourth level</a:t>
             </a:r>
           </a:p>
           <a:p>
             <a:pPr lvl="4"/>
             <a:r>
-              <a:rPr lang="it-IT"/>
+              <a:rPr lang="en-GB"/>
               <a:t>Fifth level</a:t>
             </a:r>
             <a:endParaRPr lang="en-US"/>
@@ -503,8 +1052,8 @@
         </p:nvSpPr>
         <p:spPr>
           <a:xfrm>
-            <a:off x="3836609" y="6362700"/>
-            <a:ext cx="4850191" cy="365125"/>
+            <a:off x="5115480" y="6362701"/>
+            <a:ext cx="6466921" cy="365125"/>
           </a:xfrm>
           <a:prstGeom prst="rect">
             <a:avLst/>
@@ -514,11 +1063,12 @@
           <a:bodyPr/>
           <a:lstStyle/>
           <a:p>
-            <a:fld id="{B0C43BE2-C3DB-1649-80AB-79CFABC9D3BB}" type="slidenum">
-              <a:rPr lang="en-US" smtClean="0"/>
+            <a:fld id="{D2040F39-7941-49A4-B48D-F201B18B6351}" type="slidenum">
+              <a:rPr lang="it-IT" smtClean="0"/>
+              <a:pPr/>
               <a:t>‹#›</a:t>
             </a:fld>
-            <a:endParaRPr lang="en-US"/>
+            <a:endParaRPr lang="it-IT" dirty="0"/>
           </a:p>
         </p:txBody>
       </p:sp>
@@ -530,8 +1080,8 @@
         </p:nvCxnSpPr>
         <p:spPr>
           <a:xfrm flipV="1">
-            <a:off x="457200" y="1388917"/>
-            <a:ext cx="8686800" cy="2"/>
+            <a:off x="609600" y="1388917"/>
+            <a:ext cx="11582400" cy="2"/>
           </a:xfrm>
           <a:prstGeom prst="line">
             <a:avLst/>
@@ -608,8 +1158,8 @@
         </p:nvSpPr>
         <p:spPr>
           <a:xfrm>
-            <a:off x="6629400" y="274638"/>
-            <a:ext cx="2057400" cy="5851525"/>
+            <a:off x="8839200" y="274639"/>
+            <a:ext cx="2743200" cy="5851525"/>
           </a:xfrm>
         </p:spPr>
         <p:txBody>
@@ -617,7 +1167,7 @@
           <a:lstStyle/>
           <a:p>
             <a:r>
-              <a:rPr lang="it-IT"/>
+              <a:rPr lang="en-GB"/>
               <a:t>Click to edit Master title style</a:t>
             </a:r>
             <a:endParaRPr lang="en-US"/>
@@ -636,8 +1186,8 @@
         </p:nvSpPr>
         <p:spPr>
           <a:xfrm>
-            <a:off x="457200" y="274638"/>
-            <a:ext cx="6019800" cy="5851525"/>
+            <a:off x="609600" y="274639"/>
+            <a:ext cx="8026400" cy="5851525"/>
           </a:xfrm>
         </p:spPr>
         <p:txBody>
@@ -646,35 +1196,35 @@
           <a:p>
             <a:pPr lvl="0"/>
             <a:r>
-              <a:rPr lang="it-IT"/>
+              <a:rPr lang="en-GB"/>
               <a:t>Click to edit Master text styles</a:t>
             </a:r>
           </a:p>
           <a:p>
             <a:pPr lvl="1"/>
             <a:r>
-              <a:rPr lang="it-IT"/>
+              <a:rPr lang="en-GB"/>
               <a:t>Second level</a:t>
             </a:r>
           </a:p>
           <a:p>
             <a:pPr lvl="2"/>
             <a:r>
-              <a:rPr lang="it-IT"/>
+              <a:rPr lang="en-GB"/>
               <a:t>Third level</a:t>
             </a:r>
           </a:p>
           <a:p>
             <a:pPr lvl="3"/>
             <a:r>
-              <a:rPr lang="it-IT"/>
+              <a:rPr lang="en-GB"/>
               <a:t>Fourth level</a:t>
             </a:r>
           </a:p>
           <a:p>
             <a:pPr lvl="4"/>
             <a:r>
-              <a:rPr lang="it-IT"/>
+              <a:rPr lang="en-GB"/>
               <a:t>Fifth level</a:t>
             </a:r>
             <a:endParaRPr lang="en-US"/>
@@ -693,8 +1243,8 @@
         </p:nvSpPr>
         <p:spPr>
           <a:xfrm>
-            <a:off x="3836609" y="6362700"/>
-            <a:ext cx="4850191" cy="365125"/>
+            <a:off x="5115480" y="6362701"/>
+            <a:ext cx="6466921" cy="365125"/>
           </a:xfrm>
           <a:prstGeom prst="rect">
             <a:avLst/>
@@ -704,11 +1254,12 @@
           <a:bodyPr/>
           <a:lstStyle/>
           <a:p>
-            <a:fld id="{B0C43BE2-C3DB-1649-80AB-79CFABC9D3BB}" type="slidenum">
-              <a:rPr lang="en-US" smtClean="0"/>
+            <a:fld id="{D2040F39-7941-49A4-B48D-F201B18B6351}" type="slidenum">
+              <a:rPr lang="it-IT" smtClean="0"/>
+              <a:pPr/>
               <a:t>‹#›</a:t>
             </a:fld>
-            <a:endParaRPr lang="en-US"/>
+            <a:endParaRPr lang="it-IT" dirty="0"/>
           </a:p>
         </p:txBody>
       </p:sp>
@@ -758,7 +1309,7 @@
           <a:lstStyle/>
           <a:p>
             <a:r>
-              <a:rPr lang="it-IT"/>
+              <a:rPr lang="en-GB"/>
               <a:t>Click to edit Master title style</a:t>
             </a:r>
             <a:endParaRPr lang="en-US"/>
@@ -782,35 +1333,35 @@
           <a:p>
             <a:pPr lvl="0"/>
             <a:r>
-              <a:rPr lang="it-IT"/>
+              <a:rPr lang="en-GB"/>
               <a:t>Click to edit Master text styles</a:t>
             </a:r>
           </a:p>
           <a:p>
             <a:pPr lvl="1"/>
             <a:r>
-              <a:rPr lang="it-IT"/>
+              <a:rPr lang="en-GB"/>
               <a:t>Second level</a:t>
             </a:r>
           </a:p>
           <a:p>
             <a:pPr lvl="2"/>
             <a:r>
-              <a:rPr lang="it-IT"/>
+              <a:rPr lang="en-GB"/>
               <a:t>Third level</a:t>
             </a:r>
           </a:p>
           <a:p>
             <a:pPr lvl="3"/>
             <a:r>
-              <a:rPr lang="it-IT"/>
+              <a:rPr lang="en-GB"/>
               <a:t>Fourth level</a:t>
             </a:r>
           </a:p>
           <a:p>
             <a:pPr lvl="4"/>
             <a:r>
-              <a:rPr lang="it-IT"/>
+              <a:rPr lang="en-GB"/>
               <a:t>Fifth level</a:t>
             </a:r>
             <a:endParaRPr lang="en-US"/>
@@ -829,8 +1380,8 @@
         </p:nvSpPr>
         <p:spPr>
           <a:xfrm>
-            <a:off x="3836609" y="6362700"/>
-            <a:ext cx="4850191" cy="365125"/>
+            <a:off x="5115480" y="6362701"/>
+            <a:ext cx="6466921" cy="365125"/>
           </a:xfrm>
           <a:prstGeom prst="rect">
             <a:avLst/>
@@ -840,11 +1391,12 @@
           <a:bodyPr/>
           <a:lstStyle/>
           <a:p>
-            <a:fld id="{B0C43BE2-C3DB-1649-80AB-79CFABC9D3BB}" type="slidenum">
-              <a:rPr lang="en-US" smtClean="0"/>
+            <a:fld id="{D2040F39-7941-49A4-B48D-F201B18B6351}" type="slidenum">
+              <a:rPr lang="it-IT" smtClean="0"/>
+              <a:pPr/>
               <a:t>‹#›</a:t>
             </a:fld>
-            <a:endParaRPr lang="en-US"/>
+            <a:endParaRPr lang="it-IT" dirty="0"/>
           </a:p>
         </p:txBody>
       </p:sp>
@@ -856,8 +1408,8 @@
         </p:nvCxnSpPr>
         <p:spPr>
           <a:xfrm flipV="1">
-            <a:off x="457200" y="1388917"/>
-            <a:ext cx="8686800" cy="2"/>
+            <a:off x="609600" y="1388917"/>
+            <a:ext cx="11582400" cy="2"/>
           </a:xfrm>
           <a:prstGeom prst="line">
             <a:avLst/>
@@ -934,8 +1486,8 @@
         </p:nvSpPr>
         <p:spPr>
           <a:xfrm>
-            <a:off x="722313" y="4406900"/>
-            <a:ext cx="7772400" cy="1362075"/>
+            <a:off x="963084" y="4406901"/>
+            <a:ext cx="10363200" cy="1362075"/>
           </a:xfrm>
         </p:spPr>
         <p:txBody>
@@ -947,7 +1499,7 @@
           </a:lstStyle>
           <a:p>
             <a:r>
-              <a:rPr lang="it-IT"/>
+              <a:rPr lang="en-GB"/>
               <a:t>Click to edit Master title style</a:t>
             </a:r>
             <a:endParaRPr lang="en-US"/>
@@ -966,8 +1518,8 @@
         </p:nvSpPr>
         <p:spPr>
           <a:xfrm>
-            <a:off x="722313" y="2906713"/>
-            <a:ext cx="7772400" cy="1500187"/>
+            <a:off x="963084" y="2906713"/>
+            <a:ext cx="10363200" cy="1500187"/>
           </a:xfrm>
         </p:spPr>
         <p:txBody>
@@ -1067,7 +1619,7 @@
           <a:p>
             <a:pPr lvl="0"/>
             <a:r>
-              <a:rPr lang="it-IT"/>
+              <a:rPr lang="en-GB"/>
               <a:t>Click to edit Master text styles</a:t>
             </a:r>
           </a:p>
@@ -1085,8 +1637,8 @@
         </p:nvSpPr>
         <p:spPr>
           <a:xfrm>
-            <a:off x="3836609" y="6362700"/>
-            <a:ext cx="4850191" cy="365125"/>
+            <a:off x="5115480" y="6362701"/>
+            <a:ext cx="6466921" cy="365125"/>
           </a:xfrm>
           <a:prstGeom prst="rect">
             <a:avLst/>
@@ -1096,11 +1648,12 @@
           <a:bodyPr/>
           <a:lstStyle/>
           <a:p>
-            <a:fld id="{B0C43BE2-C3DB-1649-80AB-79CFABC9D3BB}" type="slidenum">
-              <a:rPr lang="en-US" smtClean="0"/>
+            <a:fld id="{D2040F39-7941-49A4-B48D-F201B18B6351}" type="slidenum">
+              <a:rPr lang="it-IT" smtClean="0"/>
+              <a:pPr/>
               <a:t>‹#›</a:t>
             </a:fld>
-            <a:endParaRPr lang="en-US"/>
+            <a:endParaRPr lang="it-IT" dirty="0"/>
           </a:p>
         </p:txBody>
       </p:sp>
@@ -1112,8 +1665,8 @@
         </p:nvCxnSpPr>
         <p:spPr>
           <a:xfrm flipV="1">
-            <a:off x="722313" y="4406900"/>
-            <a:ext cx="8421687" cy="2"/>
+            <a:off x="963085" y="4406900"/>
+            <a:ext cx="11228916" cy="2"/>
           </a:xfrm>
           <a:prstGeom prst="line">
             <a:avLst/>
@@ -1194,7 +1747,7 @@
           <a:lstStyle/>
           <a:p>
             <a:r>
-              <a:rPr lang="it-IT"/>
+              <a:rPr lang="en-GB"/>
               <a:t>Click to edit Master title style</a:t>
             </a:r>
             <a:endParaRPr lang="en-US"/>
@@ -1213,8 +1766,8 @@
         </p:nvSpPr>
         <p:spPr>
           <a:xfrm>
-            <a:off x="457200" y="1600200"/>
-            <a:ext cx="4038600" cy="4525963"/>
+            <a:off x="609600" y="1600201"/>
+            <a:ext cx="5384800" cy="4525963"/>
           </a:xfrm>
         </p:spPr>
         <p:txBody>
@@ -1251,35 +1804,35 @@
           <a:p>
             <a:pPr lvl="0"/>
             <a:r>
-              <a:rPr lang="it-IT"/>
+              <a:rPr lang="en-GB"/>
               <a:t>Click to edit Master text styles</a:t>
             </a:r>
           </a:p>
           <a:p>
             <a:pPr lvl="1"/>
             <a:r>
-              <a:rPr lang="it-IT"/>
+              <a:rPr lang="en-GB"/>
               <a:t>Second level</a:t>
             </a:r>
           </a:p>
           <a:p>
             <a:pPr lvl="2"/>
             <a:r>
-              <a:rPr lang="it-IT"/>
+              <a:rPr lang="en-GB"/>
               <a:t>Third level</a:t>
             </a:r>
           </a:p>
           <a:p>
             <a:pPr lvl="3"/>
             <a:r>
-              <a:rPr lang="it-IT"/>
+              <a:rPr lang="en-GB"/>
               <a:t>Fourth level</a:t>
             </a:r>
           </a:p>
           <a:p>
             <a:pPr lvl="4"/>
             <a:r>
-              <a:rPr lang="it-IT"/>
+              <a:rPr lang="en-GB"/>
               <a:t>Fifth level</a:t>
             </a:r>
             <a:endParaRPr lang="en-US"/>
@@ -1298,8 +1851,8 @@
         </p:nvSpPr>
         <p:spPr>
           <a:xfrm>
-            <a:off x="4648200" y="1600200"/>
-            <a:ext cx="4038600" cy="4525963"/>
+            <a:off x="6197600" y="1600201"/>
+            <a:ext cx="5384800" cy="4525963"/>
           </a:xfrm>
         </p:spPr>
         <p:txBody>
@@ -1336,35 +1889,35 @@
           <a:p>
             <a:pPr lvl="0"/>
             <a:r>
-              <a:rPr lang="it-IT"/>
+              <a:rPr lang="en-GB"/>
               <a:t>Click to edit Master text styles</a:t>
             </a:r>
           </a:p>
           <a:p>
             <a:pPr lvl="1"/>
             <a:r>
-              <a:rPr lang="it-IT"/>
+              <a:rPr lang="en-GB"/>
               <a:t>Second level</a:t>
             </a:r>
           </a:p>
           <a:p>
             <a:pPr lvl="2"/>
             <a:r>
-              <a:rPr lang="it-IT"/>
+              <a:rPr lang="en-GB"/>
               <a:t>Third level</a:t>
             </a:r>
           </a:p>
           <a:p>
             <a:pPr lvl="3"/>
             <a:r>
-              <a:rPr lang="it-IT"/>
+              <a:rPr lang="en-GB"/>
               <a:t>Fourth level</a:t>
             </a:r>
           </a:p>
           <a:p>
             <a:pPr lvl="4"/>
             <a:r>
-              <a:rPr lang="it-IT"/>
+              <a:rPr lang="en-GB"/>
               <a:t>Fifth level</a:t>
             </a:r>
             <a:endParaRPr lang="en-US"/>
@@ -1383,8 +1936,8 @@
         </p:nvSpPr>
         <p:spPr>
           <a:xfrm>
-            <a:off x="3836609" y="6362700"/>
-            <a:ext cx="4850191" cy="365125"/>
+            <a:off x="5115480" y="6362701"/>
+            <a:ext cx="6466921" cy="365125"/>
           </a:xfrm>
           <a:prstGeom prst="rect">
             <a:avLst/>
@@ -1394,11 +1947,12 @@
           <a:bodyPr/>
           <a:lstStyle/>
           <a:p>
-            <a:fld id="{B0C43BE2-C3DB-1649-80AB-79CFABC9D3BB}" type="slidenum">
-              <a:rPr lang="en-US" smtClean="0"/>
+            <a:fld id="{D2040F39-7941-49A4-B48D-F201B18B6351}" type="slidenum">
+              <a:rPr lang="it-IT" smtClean="0"/>
+              <a:pPr/>
               <a:t>‹#›</a:t>
             </a:fld>
-            <a:endParaRPr lang="en-US"/>
+            <a:endParaRPr lang="it-IT" dirty="0"/>
           </a:p>
         </p:txBody>
       </p:sp>
@@ -1410,8 +1964,8 @@
         </p:nvCxnSpPr>
         <p:spPr>
           <a:xfrm flipV="1">
-            <a:off x="457200" y="1388917"/>
-            <a:ext cx="8686800" cy="2"/>
+            <a:off x="609600" y="1388917"/>
+            <a:ext cx="11582400" cy="2"/>
           </a:xfrm>
           <a:prstGeom prst="line">
             <a:avLst/>
@@ -1496,7 +2050,7 @@
           </a:lstStyle>
           <a:p>
             <a:r>
-              <a:rPr lang="it-IT"/>
+              <a:rPr lang="en-GB"/>
               <a:t>Click to edit Master title style</a:t>
             </a:r>
             <a:endParaRPr lang="en-US"/>
@@ -1515,8 +2069,8 @@
         </p:nvSpPr>
         <p:spPr>
           <a:xfrm>
-            <a:off x="457200" y="1535113"/>
-            <a:ext cx="4040188" cy="639762"/>
+            <a:off x="609600" y="1535113"/>
+            <a:ext cx="5386917" cy="639762"/>
           </a:xfrm>
         </p:spPr>
         <p:txBody>
@@ -1562,7 +2116,7 @@
           <a:p>
             <a:pPr lvl="0"/>
             <a:r>
-              <a:rPr lang="it-IT"/>
+              <a:rPr lang="en-GB"/>
               <a:t>Click to edit Master text styles</a:t>
             </a:r>
           </a:p>
@@ -1580,8 +2134,8 @@
         </p:nvSpPr>
         <p:spPr>
           <a:xfrm>
-            <a:off x="457200" y="2174875"/>
-            <a:ext cx="4040188" cy="3951288"/>
+            <a:off x="609600" y="2174875"/>
+            <a:ext cx="5386917" cy="3951288"/>
           </a:xfrm>
         </p:spPr>
         <p:txBody>
@@ -1618,35 +2172,35 @@
           <a:p>
             <a:pPr lvl="0"/>
             <a:r>
-              <a:rPr lang="it-IT"/>
+              <a:rPr lang="en-GB"/>
               <a:t>Click to edit Master text styles</a:t>
             </a:r>
           </a:p>
           <a:p>
             <a:pPr lvl="1"/>
             <a:r>
-              <a:rPr lang="it-IT"/>
+              <a:rPr lang="en-GB"/>
               <a:t>Second level</a:t>
             </a:r>
           </a:p>
           <a:p>
             <a:pPr lvl="2"/>
             <a:r>
-              <a:rPr lang="it-IT"/>
+              <a:rPr lang="en-GB"/>
               <a:t>Third level</a:t>
             </a:r>
           </a:p>
           <a:p>
             <a:pPr lvl="3"/>
             <a:r>
-              <a:rPr lang="it-IT"/>
+              <a:rPr lang="en-GB"/>
               <a:t>Fourth level</a:t>
             </a:r>
           </a:p>
           <a:p>
             <a:pPr lvl="4"/>
             <a:r>
-              <a:rPr lang="it-IT"/>
+              <a:rPr lang="en-GB"/>
               <a:t>Fifth level</a:t>
             </a:r>
             <a:endParaRPr lang="en-US"/>
@@ -1665,8 +2219,8 @@
         </p:nvSpPr>
         <p:spPr>
           <a:xfrm>
-            <a:off x="4645025" y="1535113"/>
-            <a:ext cx="4041775" cy="639762"/>
+            <a:off x="6193368" y="1535113"/>
+            <a:ext cx="5389033" cy="639762"/>
           </a:xfrm>
         </p:spPr>
         <p:txBody>
@@ -1712,7 +2266,7 @@
           <a:p>
             <a:pPr lvl="0"/>
             <a:r>
-              <a:rPr lang="it-IT"/>
+              <a:rPr lang="en-GB"/>
               <a:t>Click to edit Master text styles</a:t>
             </a:r>
           </a:p>
@@ -1730,8 +2284,8 @@
         </p:nvSpPr>
         <p:spPr>
           <a:xfrm>
-            <a:off x="4645025" y="2174875"/>
-            <a:ext cx="4041775" cy="3951288"/>
+            <a:off x="6193368" y="2174875"/>
+            <a:ext cx="5389033" cy="3951288"/>
           </a:xfrm>
         </p:spPr>
         <p:txBody>
@@ -1768,35 +2322,35 @@
           <a:p>
             <a:pPr lvl="0"/>
             <a:r>
-              <a:rPr lang="it-IT"/>
+              <a:rPr lang="en-GB"/>
               <a:t>Click to edit Master text styles</a:t>
             </a:r>
           </a:p>
           <a:p>
             <a:pPr lvl="1"/>
             <a:r>
-              <a:rPr lang="it-IT"/>
+              <a:rPr lang="en-GB"/>
               <a:t>Second level</a:t>
             </a:r>
           </a:p>
           <a:p>
             <a:pPr lvl="2"/>
             <a:r>
-              <a:rPr lang="it-IT"/>
+              <a:rPr lang="en-GB"/>
               <a:t>Third level</a:t>
             </a:r>
           </a:p>
           <a:p>
             <a:pPr lvl="3"/>
             <a:r>
-              <a:rPr lang="it-IT"/>
+              <a:rPr lang="en-GB"/>
               <a:t>Fourth level</a:t>
             </a:r>
           </a:p>
           <a:p>
             <a:pPr lvl="4"/>
             <a:r>
-              <a:rPr lang="it-IT"/>
+              <a:rPr lang="en-GB"/>
               <a:t>Fifth level</a:t>
             </a:r>
             <a:endParaRPr lang="en-US"/>
@@ -1815,8 +2369,8 @@
         </p:nvSpPr>
         <p:spPr>
           <a:xfrm>
-            <a:off x="3836609" y="6362700"/>
-            <a:ext cx="4850191" cy="365125"/>
+            <a:off x="5115480" y="6362701"/>
+            <a:ext cx="6466921" cy="365125"/>
           </a:xfrm>
           <a:prstGeom prst="rect">
             <a:avLst/>
@@ -1826,11 +2380,12 @@
           <a:bodyPr/>
           <a:lstStyle/>
           <a:p>
-            <a:fld id="{B0C43BE2-C3DB-1649-80AB-79CFABC9D3BB}" type="slidenum">
-              <a:rPr lang="en-US" smtClean="0"/>
+            <a:fld id="{D2040F39-7941-49A4-B48D-F201B18B6351}" type="slidenum">
+              <a:rPr lang="it-IT" smtClean="0"/>
+              <a:pPr/>
               <a:t>‹#›</a:t>
             </a:fld>
-            <a:endParaRPr lang="en-US"/>
+            <a:endParaRPr lang="it-IT" dirty="0"/>
           </a:p>
         </p:txBody>
       </p:sp>
@@ -1842,8 +2397,8 @@
         </p:nvCxnSpPr>
         <p:spPr>
           <a:xfrm flipV="1">
-            <a:off x="457200" y="1388917"/>
-            <a:ext cx="8686800" cy="2"/>
+            <a:off x="609600" y="1388917"/>
+            <a:ext cx="11582400" cy="2"/>
           </a:xfrm>
           <a:prstGeom prst="line">
             <a:avLst/>
@@ -1924,7 +2479,7 @@
           <a:lstStyle/>
           <a:p>
             <a:r>
-              <a:rPr lang="it-IT"/>
+              <a:rPr lang="en-GB"/>
               <a:t>Click to edit Master title style</a:t>
             </a:r>
             <a:endParaRPr lang="en-US"/>
@@ -1943,8 +2498,8 @@
         </p:nvSpPr>
         <p:spPr>
           <a:xfrm>
-            <a:off x="3836609" y="6362700"/>
-            <a:ext cx="4850191" cy="365125"/>
+            <a:off x="5115480" y="6362701"/>
+            <a:ext cx="6466921" cy="365125"/>
           </a:xfrm>
           <a:prstGeom prst="rect">
             <a:avLst/>
@@ -1954,11 +2509,12 @@
           <a:bodyPr/>
           <a:lstStyle/>
           <a:p>
-            <a:fld id="{B0C43BE2-C3DB-1649-80AB-79CFABC9D3BB}" type="slidenum">
-              <a:rPr lang="en-US" smtClean="0"/>
+            <a:fld id="{D2040F39-7941-49A4-B48D-F201B18B6351}" type="slidenum">
+              <a:rPr lang="it-IT" smtClean="0"/>
+              <a:pPr/>
               <a:t>‹#›</a:t>
             </a:fld>
-            <a:endParaRPr lang="en-US"/>
+            <a:endParaRPr lang="it-IT" dirty="0"/>
           </a:p>
         </p:txBody>
       </p:sp>
@@ -1970,8 +2526,8 @@
         </p:nvCxnSpPr>
         <p:spPr>
           <a:xfrm flipV="1">
-            <a:off x="457200" y="1388917"/>
-            <a:ext cx="8686800" cy="2"/>
+            <a:off x="609600" y="1388917"/>
+            <a:ext cx="11582400" cy="2"/>
           </a:xfrm>
           <a:prstGeom prst="line">
             <a:avLst/>
@@ -2048,8 +2604,8 @@
         </p:nvSpPr>
         <p:spPr>
           <a:xfrm>
-            <a:off x="3836609" y="6362700"/>
-            <a:ext cx="4850191" cy="365125"/>
+            <a:off x="5115480" y="6362701"/>
+            <a:ext cx="6466921" cy="365125"/>
           </a:xfrm>
           <a:prstGeom prst="rect">
             <a:avLst/>
@@ -2059,11 +2615,12 @@
           <a:bodyPr/>
           <a:lstStyle/>
           <a:p>
-            <a:fld id="{B0C43BE2-C3DB-1649-80AB-79CFABC9D3BB}" type="slidenum">
-              <a:rPr lang="en-US" smtClean="0"/>
+            <a:fld id="{D2040F39-7941-49A4-B48D-F201B18B6351}" type="slidenum">
+              <a:rPr lang="it-IT" smtClean="0"/>
+              <a:pPr/>
               <a:t>‹#›</a:t>
             </a:fld>
-            <a:endParaRPr lang="en-US"/>
+            <a:endParaRPr lang="it-IT" dirty="0"/>
           </a:p>
         </p:txBody>
       </p:sp>
@@ -2109,8 +2666,8 @@
         </p:nvSpPr>
         <p:spPr>
           <a:xfrm>
-            <a:off x="457200" y="273050"/>
-            <a:ext cx="3008313" cy="1162050"/>
+            <a:off x="609601" y="273050"/>
+            <a:ext cx="4011084" cy="1162050"/>
           </a:xfrm>
         </p:spPr>
         <p:txBody>
@@ -2122,7 +2679,7 @@
           </a:lstStyle>
           <a:p>
             <a:r>
-              <a:rPr lang="it-IT"/>
+              <a:rPr lang="en-GB"/>
               <a:t>Click to edit Master title style</a:t>
             </a:r>
             <a:endParaRPr lang="en-US"/>
@@ -2141,8 +2698,8 @@
         </p:nvSpPr>
         <p:spPr>
           <a:xfrm>
-            <a:off x="3575050" y="273050"/>
-            <a:ext cx="5111750" cy="5853113"/>
+            <a:off x="4766733" y="273051"/>
+            <a:ext cx="6815667" cy="5853113"/>
           </a:xfrm>
         </p:spPr>
         <p:txBody>
@@ -2179,35 +2736,35 @@
           <a:p>
             <a:pPr lvl="0"/>
             <a:r>
-              <a:rPr lang="it-IT"/>
+              <a:rPr lang="en-GB"/>
               <a:t>Click to edit Master text styles</a:t>
             </a:r>
           </a:p>
           <a:p>
             <a:pPr lvl="1"/>
             <a:r>
-              <a:rPr lang="it-IT"/>
+              <a:rPr lang="en-GB"/>
               <a:t>Second level</a:t>
             </a:r>
           </a:p>
           <a:p>
             <a:pPr lvl="2"/>
             <a:r>
-              <a:rPr lang="it-IT"/>
+              <a:rPr lang="en-GB"/>
               <a:t>Third level</a:t>
             </a:r>
           </a:p>
           <a:p>
             <a:pPr lvl="3"/>
             <a:r>
-              <a:rPr lang="it-IT"/>
+              <a:rPr lang="en-GB"/>
               <a:t>Fourth level</a:t>
             </a:r>
           </a:p>
           <a:p>
             <a:pPr lvl="4"/>
             <a:r>
-              <a:rPr lang="it-IT"/>
+              <a:rPr lang="en-GB"/>
               <a:t>Fifth level</a:t>
             </a:r>
             <a:endParaRPr lang="en-US"/>
@@ -2226,8 +2783,8 @@
         </p:nvSpPr>
         <p:spPr>
           <a:xfrm>
-            <a:off x="457200" y="1435100"/>
-            <a:ext cx="3008313" cy="4691063"/>
+            <a:off x="609601" y="1435101"/>
+            <a:ext cx="4011084" cy="4691063"/>
           </a:xfrm>
         </p:spPr>
         <p:txBody>
@@ -2273,7 +2830,7 @@
           <a:p>
             <a:pPr lvl="0"/>
             <a:r>
-              <a:rPr lang="it-IT"/>
+              <a:rPr lang="en-GB"/>
               <a:t>Click to edit Master text styles</a:t>
             </a:r>
           </a:p>
@@ -2291,8 +2848,8 @@
         </p:nvSpPr>
         <p:spPr>
           <a:xfrm>
-            <a:off x="3836609" y="6362700"/>
-            <a:ext cx="4850191" cy="365125"/>
+            <a:off x="5115480" y="6362701"/>
+            <a:ext cx="6466921" cy="365125"/>
           </a:xfrm>
           <a:prstGeom prst="rect">
             <a:avLst/>
@@ -2302,11 +2859,12 @@
           <a:bodyPr/>
           <a:lstStyle/>
           <a:p>
-            <a:fld id="{B0C43BE2-C3DB-1649-80AB-79CFABC9D3BB}" type="slidenum">
-              <a:rPr lang="en-US" smtClean="0"/>
+            <a:fld id="{D2040F39-7941-49A4-B48D-F201B18B6351}" type="slidenum">
+              <a:rPr lang="it-IT" smtClean="0"/>
+              <a:pPr/>
               <a:t>‹#›</a:t>
             </a:fld>
-            <a:endParaRPr lang="en-US"/>
+            <a:endParaRPr lang="it-IT" dirty="0"/>
           </a:p>
         </p:txBody>
       </p:sp>
@@ -2352,8 +2910,8 @@
         </p:nvSpPr>
         <p:spPr>
           <a:xfrm>
-            <a:off x="1792288" y="4800600"/>
-            <a:ext cx="5486400" cy="566738"/>
+            <a:off x="2389717" y="4800600"/>
+            <a:ext cx="7315200" cy="566738"/>
           </a:xfrm>
         </p:spPr>
         <p:txBody>
@@ -2365,7 +2923,7 @@
           </a:lstStyle>
           <a:p>
             <a:r>
-              <a:rPr lang="it-IT"/>
+              <a:rPr lang="en-GB"/>
               <a:t>Click to edit Master title style</a:t>
             </a:r>
             <a:endParaRPr lang="en-US"/>
@@ -2384,8 +2942,8 @@
         </p:nvSpPr>
         <p:spPr>
           <a:xfrm>
-            <a:off x="1792288" y="612775"/>
-            <a:ext cx="5486400" cy="4114800"/>
+            <a:off x="2389717" y="612775"/>
+            <a:ext cx="7315200" cy="4114800"/>
           </a:xfrm>
         </p:spPr>
         <p:txBody>
@@ -2430,8 +2988,8 @@
           </a:lstStyle>
           <a:p>
             <a:r>
-              <a:rPr lang="it-IT"/>
-              <a:t>Drag picture to placeholder or click icon to add</a:t>
+              <a:rPr lang="en-GB"/>
+              <a:t>Click icon to add picture</a:t>
             </a:r>
             <a:endParaRPr lang="en-US"/>
           </a:p>
@@ -2449,8 +3007,8 @@
         </p:nvSpPr>
         <p:spPr>
           <a:xfrm>
-            <a:off x="1792288" y="5367338"/>
-            <a:ext cx="5486400" cy="804862"/>
+            <a:off x="2389717" y="5367338"/>
+            <a:ext cx="7315200" cy="804862"/>
           </a:xfrm>
         </p:spPr>
         <p:txBody>
@@ -2496,7 +3054,7 @@
           <a:p>
             <a:pPr lvl="0"/>
             <a:r>
-              <a:rPr lang="it-IT"/>
+              <a:rPr lang="en-GB"/>
               <a:t>Click to edit Master text styles</a:t>
             </a:r>
           </a:p>
@@ -2514,8 +3072,8 @@
         </p:nvSpPr>
         <p:spPr>
           <a:xfrm>
-            <a:off x="3836609" y="6362700"/>
-            <a:ext cx="4850191" cy="365125"/>
+            <a:off x="5115480" y="6362701"/>
+            <a:ext cx="6466921" cy="365125"/>
           </a:xfrm>
           <a:prstGeom prst="rect">
             <a:avLst/>
@@ -2525,11 +3083,12 @@
           <a:bodyPr/>
           <a:lstStyle/>
           <a:p>
-            <a:fld id="{B0C43BE2-C3DB-1649-80AB-79CFABC9D3BB}" type="slidenum">
-              <a:rPr lang="en-US" smtClean="0"/>
+            <a:fld id="{D2040F39-7941-49A4-B48D-F201B18B6351}" type="slidenum">
+              <a:rPr lang="it-IT" smtClean="0"/>
+              <a:pPr/>
               <a:t>‹#›</a:t>
             </a:fld>
-            <a:endParaRPr lang="en-US"/>
+            <a:endParaRPr lang="it-IT" dirty="0"/>
           </a:p>
         </p:txBody>
       </p:sp>
@@ -2541,8 +3100,8 @@
         </p:nvCxnSpPr>
         <p:spPr>
           <a:xfrm flipV="1">
-            <a:off x="457200" y="4752218"/>
-            <a:ext cx="8686800" cy="2"/>
+            <a:off x="609600" y="4752218"/>
+            <a:ext cx="11582400" cy="2"/>
           </a:xfrm>
           <a:prstGeom prst="line">
             <a:avLst/>
@@ -2624,8 +3183,8 @@
         </p:nvSpPr>
         <p:spPr>
           <a:xfrm>
-            <a:off x="457200" y="274638"/>
-            <a:ext cx="8229600" cy="1143000"/>
+            <a:off x="609600" y="274638"/>
+            <a:ext cx="10972800" cy="1143000"/>
           </a:xfrm>
           <a:prstGeom prst="rect">
             <a:avLst/>
@@ -2638,7 +3197,7 @@
           <a:lstStyle/>
           <a:p>
             <a:r>
-              <a:rPr lang="it-IT"/>
+              <a:rPr lang="en-GB"/>
               <a:t>Click to edit Master title style</a:t>
             </a:r>
             <a:endParaRPr lang="en-US" dirty="0"/>
@@ -2657,8 +3216,8 @@
         </p:nvSpPr>
         <p:spPr>
           <a:xfrm>
-            <a:off x="457200" y="1600200"/>
-            <a:ext cx="8229600" cy="4525963"/>
+            <a:off x="609600" y="1600201"/>
+            <a:ext cx="10972800" cy="4525963"/>
           </a:xfrm>
           <a:prstGeom prst="rect">
             <a:avLst/>
@@ -2672,79 +3231,44 @@
           <a:p>
             <a:pPr lvl="0"/>
             <a:r>
-              <a:rPr lang="it-IT"/>
+              <a:rPr lang="en-GB"/>
               <a:t>Click to edit Master text styles</a:t>
             </a:r>
           </a:p>
           <a:p>
             <a:pPr lvl="1"/>
             <a:r>
-              <a:rPr lang="it-IT"/>
+              <a:rPr lang="en-GB"/>
               <a:t>Second level</a:t>
             </a:r>
           </a:p>
           <a:p>
             <a:pPr lvl="2"/>
             <a:r>
-              <a:rPr lang="it-IT"/>
+              <a:rPr lang="en-GB"/>
               <a:t>Third level</a:t>
             </a:r>
           </a:p>
           <a:p>
             <a:pPr lvl="3"/>
             <a:r>
-              <a:rPr lang="it-IT"/>
+              <a:rPr lang="en-GB"/>
               <a:t>Fourth level</a:t>
             </a:r>
           </a:p>
           <a:p>
             <a:pPr lvl="4"/>
             <a:r>
-              <a:rPr lang="it-IT"/>
+              <a:rPr lang="en-GB"/>
               <a:t>Fifth level</a:t>
             </a:r>
             <a:endParaRPr lang="en-US" dirty="0"/>
-          </a:p>
-        </p:txBody>
-      </p:sp>
-      <p:sp>
-        <p:nvSpPr>
-          <p:cNvPr id="10" name="Slide Number Placeholder 5"/>
-          <p:cNvSpPr>
-            <a:spLocks noGrp="1"/>
-          </p:cNvSpPr>
-          <p:nvPr>
-            <p:ph type="sldNum" sz="quarter" idx="4"/>
-          </p:nvPr>
-        </p:nvSpPr>
-        <p:spPr>
-          <a:xfrm>
-            <a:off x="3836609" y="6362700"/>
-            <a:ext cx="4850191" cy="365125"/>
-          </a:xfrm>
-          <a:prstGeom prst="rect">
-            <a:avLst/>
-          </a:prstGeom>
-        </p:spPr>
-        <p:txBody>
-          <a:bodyPr/>
-          <a:lstStyle>
-            <a:lvl1pPr algn="r">
-              <a:defRPr/>
-            </a:lvl1pPr>
-          </a:lstStyle>
-          <a:p>
-            <a:fld id="{B0C43BE2-C3DB-1649-80AB-79CFABC9D3BB}" type="slidenum">
-              <a:rPr lang="en-US" smtClean="0"/>
-              <a:t>‹#›</a:t>
-            </a:fld>
-            <a:endParaRPr lang="en-US"/>
           </a:p>
         </p:txBody>
       </p:sp>
       <p:pic>
         <p:nvPicPr>
-          <p:cNvPr id="9" name="Picture 8" descr="ing-modena copy.png"/>
+          <p:cNvPr id="8" name="Picture 7" descr="ing-modena copy.png"/>
           <p:cNvPicPr>
             <a:picLocks noChangeAspect="1"/>
           </p:cNvPicPr>
@@ -2754,7 +3278,7 @@
           <a:blip r:embed="rId13">
             <a:extLst>
               <a:ext uri="{28A0092B-C50C-407E-A947-70E740481C1C}">
-                <a14:useLocalDpi xmlns:a14="http://schemas.microsoft.com/office/drawing/2010/main"/>
+                <a14:useLocalDpi xmlns:a14="http://schemas.microsoft.com/office/drawing/2010/main" val="0"/>
               </a:ext>
             </a:extLst>
           </a:blip>
@@ -2764,14 +3288,46 @@
         </p:blipFill>
         <p:spPr>
           <a:xfrm>
-            <a:off x="24190" y="5829300"/>
-            <a:ext cx="1689100" cy="1066800"/>
+            <a:off x="-45803" y="6021288"/>
+            <a:ext cx="1533291" cy="899495"/>
           </a:xfrm>
           <a:prstGeom prst="rect">
             <a:avLst/>
           </a:prstGeom>
         </p:spPr>
       </p:pic>
+      <p:sp>
+        <p:nvSpPr>
+          <p:cNvPr id="10" name="Slide Number Placeholder 5"/>
+          <p:cNvSpPr>
+            <a:spLocks noGrp="1"/>
+          </p:cNvSpPr>
+          <p:nvPr>
+            <p:ph type="sldNum" sz="quarter" idx="4"/>
+          </p:nvPr>
+        </p:nvSpPr>
+        <p:spPr>
+          <a:xfrm>
+            <a:off x="5115480" y="6362701"/>
+            <a:ext cx="6466921" cy="365125"/>
+          </a:xfrm>
+          <a:prstGeom prst="rect">
+            <a:avLst/>
+          </a:prstGeom>
+        </p:spPr>
+        <p:txBody>
+          <a:bodyPr/>
+          <a:lstStyle/>
+          <a:p>
+            <a:fld id="{D2040F39-7941-49A4-B48D-F201B18B6351}" type="slidenum">
+              <a:rPr lang="it-IT" smtClean="0"/>
+              <a:pPr/>
+              <a:t>‹#›</a:t>
+            </a:fld>
+            <a:endParaRPr lang="it-IT" dirty="0"/>
+          </a:p>
+        </p:txBody>
+      </p:sp>
     </p:spTree>
     <p:extLst>
       <p:ext uri="{BB962C8B-B14F-4D97-AF65-F5344CB8AC3E}">
@@ -2781,18 +3337,19 @@
   </p:cSld>
   <p:clrMap bg1="lt1" tx1="dk1" bg2="lt2" tx2="dk2" accent1="accent1" accent2="accent2" accent3="accent3" accent4="accent4" accent5="accent5" accent6="accent6" hlink="hlink" folHlink="folHlink"/>
   <p:sldLayoutIdLst>
-    <p:sldLayoutId id="2147483661" r:id="rId1"/>
-    <p:sldLayoutId id="2147483662" r:id="rId2"/>
-    <p:sldLayoutId id="2147483663" r:id="rId3"/>
-    <p:sldLayoutId id="2147483664" r:id="rId4"/>
-    <p:sldLayoutId id="2147483665" r:id="rId5"/>
-    <p:sldLayoutId id="2147483666" r:id="rId6"/>
-    <p:sldLayoutId id="2147483667" r:id="rId7"/>
-    <p:sldLayoutId id="2147483668" r:id="rId8"/>
-    <p:sldLayoutId id="2147483669" r:id="rId9"/>
-    <p:sldLayoutId id="2147483670" r:id="rId10"/>
-    <p:sldLayoutId id="2147483671" r:id="rId11"/>
+    <p:sldLayoutId id="2147483673" r:id="rId1"/>
+    <p:sldLayoutId id="2147483674" r:id="rId2"/>
+    <p:sldLayoutId id="2147483675" r:id="rId3"/>
+    <p:sldLayoutId id="2147483676" r:id="rId4"/>
+    <p:sldLayoutId id="2147483677" r:id="rId5"/>
+    <p:sldLayoutId id="2147483678" r:id="rId6"/>
+    <p:sldLayoutId id="2147483679" r:id="rId7"/>
+    <p:sldLayoutId id="2147483680" r:id="rId8"/>
+    <p:sldLayoutId id="2147483681" r:id="rId9"/>
+    <p:sldLayoutId id="2147483682" r:id="rId10"/>
+    <p:sldLayoutId id="2147483683" r:id="rId11"/>
   </p:sldLayoutIdLst>
+  <p:hf hdr="0" ftr="0" dt="0"/>
   <p:txStyles>
     <p:titleStyle>
       <a:lvl1pPr algn="ctr" defTabSz="457200" rtl="0" eaLnBrk="1" latinLnBrk="0" hangingPunct="1">
@@ -3104,7 +3661,7 @@
         </p:nvSpPr>
         <p:spPr>
           <a:xfrm>
-            <a:off x="1371600" y="3886200"/>
+            <a:off x="2895600" y="3886200"/>
             <a:ext cx="6400800" cy="1752600"/>
           </a:xfrm>
         </p:spPr>
@@ -3226,7 +3783,7 @@
         </p:blipFill>
         <p:spPr>
           <a:xfrm>
-            <a:off x="457200" y="960439"/>
+            <a:off x="1981201" y="960439"/>
             <a:ext cx="6451473" cy="3548062"/>
           </a:xfrm>
         </p:spPr>
@@ -3252,7 +3809,7 @@
         </p:blipFill>
         <p:spPr>
           <a:xfrm>
-            <a:off x="2242731" y="3632201"/>
+            <a:off x="3766732" y="3632202"/>
             <a:ext cx="6710769" cy="3187699"/>
           </a:xfrm>
           <a:prstGeom prst="rect">
@@ -3346,7 +3903,7 @@
         </p:blipFill>
         <p:spPr>
           <a:xfrm>
-            <a:off x="457200" y="1257301"/>
+            <a:off x="1981200" y="1257301"/>
             <a:ext cx="6273800" cy="3450348"/>
           </a:xfrm>
         </p:spPr>
@@ -3374,7 +3931,7 @@
         </p:blipFill>
         <p:spPr>
           <a:xfrm>
-            <a:off x="1651000" y="3653743"/>
+            <a:off x="3175000" y="3653744"/>
             <a:ext cx="7035800" cy="3869419"/>
           </a:xfrm>
           <a:prstGeom prst="rect">
@@ -3950,7 +4507,7 @@
         <p:spPr/>
         <p:txBody>
           <a:bodyPr>
-            <a:normAutofit fontScale="85000" lnSpcReduction="20000"/>
+            <a:normAutofit/>
           </a:bodyPr>
           <a:lstStyle/>
           <a:p>
@@ -3998,81 +4555,42 @@
           <a:p>
             <a:pPr lvl="1"/>
             <a:r>
-              <a:rPr lang="en-US" dirty="0" err="1"/>
-              <a:t>BufferedInputStream</a:t>
-            </a:r>
-            <a:endParaRPr lang="en-US" dirty="0"/>
-          </a:p>
-          <a:p>
-            <a:pPr lvl="1"/>
-            <a:r>
-              <a:rPr lang="en-US" dirty="0" err="1"/>
-              <a:t>BufferedOutputStream</a:t>
-            </a:r>
-            <a:endParaRPr lang="en-US" dirty="0"/>
-          </a:p>
-          <a:p>
-            <a:pPr lvl="1"/>
-            <a:r>
-              <a:rPr lang="en-US" dirty="0" err="1"/>
-              <a:t>BufferedReader</a:t>
-            </a:r>
-            <a:endParaRPr lang="en-US" dirty="0"/>
-          </a:p>
-          <a:p>
-            <a:pPr lvl="1"/>
-            <a:r>
-              <a:rPr lang="en-US" dirty="0" err="1"/>
-              <a:t>BufferedWriter</a:t>
-            </a:r>
-            <a:endParaRPr lang="en-US" dirty="0"/>
-          </a:p>
-          <a:p>
-            <a:pPr lvl="1"/>
-            <a:r>
-              <a:rPr lang="en-US" dirty="0"/>
-              <a:t>Examples:</a:t>
-            </a:r>
-          </a:p>
-          <a:p>
-            <a:pPr lvl="2"/>
-            <a:r>
-              <a:rPr lang="en-US" sz="2000" dirty="0" err="1">
+              <a:rPr lang="en-US" sz="2400" dirty="0" err="1">
                 <a:latin typeface="Consolas"/>
                 <a:cs typeface="Consolas"/>
               </a:rPr>
               <a:t>BufferedInputStream</a:t>
             </a:r>
             <a:r>
-              <a:rPr lang="en-US" sz="2000" dirty="0">
+              <a:rPr lang="en-US" sz="2400" dirty="0">
                 <a:latin typeface="Consolas"/>
                 <a:cs typeface="Consolas"/>
               </a:rPr>
               <a:t>(</a:t>
             </a:r>
             <a:r>
-              <a:rPr lang="en-US" sz="2000" dirty="0" err="1">
+              <a:rPr lang="en-US" sz="2400" dirty="0" err="1">
                 <a:latin typeface="Consolas"/>
                 <a:cs typeface="Consolas"/>
               </a:rPr>
               <a:t>InputStream</a:t>
             </a:r>
             <a:r>
-              <a:rPr lang="en-US" sz="2000" dirty="0">
+              <a:rPr lang="en-US" sz="2400" dirty="0">
                 <a:latin typeface="Consolas"/>
                 <a:cs typeface="Consolas"/>
               </a:rPr>
               <a:t> </a:t>
             </a:r>
             <a:r>
-              <a:rPr lang="en-US" sz="2000" dirty="0" err="1">
+              <a:rPr lang="en-US" sz="2400" dirty="0" err="1">
                 <a:latin typeface="Consolas"/>
                 <a:cs typeface="Consolas"/>
               </a:rPr>
               <a:t>i</a:t>
             </a:r>
             <a:r>
-              <a:rPr lang="en-US" sz="2000" dirty="0">
+              <a:rPr lang="en-US" sz="2400" dirty="0">
                 <a:latin typeface="Consolas"/>
                 <a:cs typeface="Consolas"/>
               </a:rPr>
@@ -4080,30 +4598,30 @@
             </a:r>
           </a:p>
           <a:p>
-            <a:pPr lvl="2"/>
-            <a:r>
-              <a:rPr lang="en-US" sz="2000" dirty="0" err="1">
+            <a:pPr lvl="1"/>
+            <a:r>
+              <a:rPr lang="en-US" sz="2400" dirty="0" err="1">
                 <a:latin typeface="Consolas"/>
                 <a:cs typeface="Consolas"/>
               </a:rPr>
               <a:t>BufferedOutputStream</a:t>
             </a:r>
             <a:r>
-              <a:rPr lang="en-US" sz="2000" dirty="0">
+              <a:rPr lang="en-US" sz="2400" dirty="0">
                 <a:latin typeface="Consolas"/>
                 <a:cs typeface="Consolas"/>
               </a:rPr>
               <a:t>(</a:t>
             </a:r>
             <a:r>
-              <a:rPr lang="en-US" sz="2000" dirty="0" err="1">
+              <a:rPr lang="en-US" sz="2400" dirty="0" err="1">
                 <a:latin typeface="Consolas"/>
                 <a:cs typeface="Consolas"/>
               </a:rPr>
               <a:t>OutputStream</a:t>
             </a:r>
             <a:r>
-              <a:rPr lang="en-US" sz="2000" dirty="0">
+              <a:rPr lang="en-US" sz="2400" dirty="0">
                 <a:latin typeface="Consolas"/>
                 <a:cs typeface="Consolas"/>
               </a:rPr>
@@ -4111,16 +4629,16 @@
             </a:r>
           </a:p>
           <a:p>
-            <a:pPr lvl="2"/>
-            <a:r>
-              <a:rPr lang="en-US" sz="2000" dirty="0" err="1">
+            <a:pPr lvl="1"/>
+            <a:r>
+              <a:rPr lang="en-US" sz="2400" dirty="0" err="1">
                 <a:latin typeface="Consolas"/>
                 <a:cs typeface="Consolas"/>
               </a:rPr>
               <a:t>BufferedReader</a:t>
             </a:r>
             <a:r>
-              <a:rPr lang="en-US" sz="2000" dirty="0">
+              <a:rPr lang="en-US" sz="2400" dirty="0">
                 <a:latin typeface="Consolas"/>
                 <a:cs typeface="Consolas"/>
               </a:rPr>
@@ -4128,16 +4646,16 @@
             </a:r>
           </a:p>
           <a:p>
-            <a:pPr lvl="2"/>
-            <a:r>
-              <a:rPr lang="en-US" sz="2000" dirty="0" err="1">
+            <a:pPr lvl="1"/>
+            <a:r>
+              <a:rPr lang="en-US" sz="2400" dirty="0" err="1">
                 <a:latin typeface="Consolas"/>
                 <a:cs typeface="Consolas"/>
               </a:rPr>
               <a:t>BufferedWriter</a:t>
             </a:r>
             <a:r>
-              <a:rPr lang="en-US" sz="2000" dirty="0">
+              <a:rPr lang="en-US" sz="2400" dirty="0">
                 <a:latin typeface="Consolas"/>
                 <a:cs typeface="Consolas"/>
               </a:rPr>
@@ -4673,7 +5191,7 @@
         <p:spPr/>
         <p:txBody>
           <a:bodyPr>
-            <a:normAutofit fontScale="92500" lnSpcReduction="10000"/>
+            <a:normAutofit lnSpcReduction="10000"/>
           </a:bodyPr>
           <a:lstStyle/>
           <a:p>
@@ -4815,7 +5333,7 @@
         <p:spPr/>
         <p:txBody>
           <a:bodyPr>
-            <a:normAutofit fontScale="85000" lnSpcReduction="10000"/>
+            <a:normAutofit fontScale="92500" lnSpcReduction="10000"/>
           </a:bodyPr>
           <a:lstStyle/>
           <a:p>
@@ -4977,7 +5495,7 @@
         <p:spPr/>
         <p:txBody>
           <a:bodyPr>
-            <a:normAutofit lnSpcReduction="10000"/>
+            <a:normAutofit/>
           </a:bodyPr>
           <a:lstStyle/>
           <a:p>
@@ -5344,7 +5862,7 @@
         <p:spPr/>
         <p:txBody>
           <a:bodyPr>
-            <a:normAutofit fontScale="90000"/>
+            <a:normAutofit/>
           </a:bodyPr>
           <a:lstStyle/>
           <a:p>
@@ -5368,7 +5886,7 @@
         <p:spPr/>
         <p:txBody>
           <a:bodyPr>
-            <a:normAutofit fontScale="92500" lnSpcReduction="10000"/>
+            <a:normAutofit/>
           </a:bodyPr>
           <a:lstStyle/>
           <a:p>
@@ -5515,7 +6033,7 @@
         </p:blipFill>
         <p:spPr>
           <a:xfrm>
-            <a:off x="4186455" y="1788967"/>
+            <a:off x="5710456" y="1788968"/>
             <a:ext cx="4500345" cy="2184063"/>
           </a:xfrm>
           <a:prstGeom prst="rect">
@@ -5554,7 +6072,7 @@
         </p:blipFill>
         <p:spPr>
           <a:xfrm>
-            <a:off x="4099746" y="3973030"/>
+            <a:off x="5623746" y="3973031"/>
             <a:ext cx="4410264" cy="2425475"/>
           </a:xfrm>
         </p:spPr>
@@ -5587,7 +6105,7 @@
         </p:blipFill>
         <p:spPr>
           <a:xfrm>
-            <a:off x="384717" y="2930664"/>
+            <a:off x="1908718" y="2930665"/>
             <a:ext cx="3033131" cy="2084731"/>
           </a:xfrm>
           <a:prstGeom prst="rect">
@@ -5921,7 +6439,7 @@
                 <a:latin typeface="Consolas"/>
                 <a:cs typeface="Consolas"/>
               </a:rPr>
-              <a:t>@See class File static attributes</a:t>
+              <a:t>@See File class static attributes</a:t>
             </a:r>
           </a:p>
         </p:txBody>
@@ -6567,7 +7085,7 @@
         <p:spPr/>
         <p:txBody>
           <a:bodyPr>
-            <a:normAutofit fontScale="92500" lnSpcReduction="10000"/>
+            <a:normAutofit lnSpcReduction="10000"/>
           </a:bodyPr>
           <a:lstStyle/>
           <a:p>
@@ -6711,7 +7229,7 @@
         <p:spPr/>
         <p:txBody>
           <a:bodyPr>
-            <a:normAutofit fontScale="92500" lnSpcReduction="10000"/>
+            <a:normAutofit lnSpcReduction="10000"/>
           </a:bodyPr>
           <a:lstStyle/>
           <a:p>
@@ -6876,7 +7394,7 @@
         <p:spPr/>
         <p:txBody>
           <a:bodyPr>
-            <a:normAutofit fontScale="92500" lnSpcReduction="10000"/>
+            <a:normAutofit lnSpcReduction="10000"/>
           </a:bodyPr>
           <a:lstStyle/>
           <a:p>
@@ -7313,7 +7831,7 @@
 </file>
 
 <file path=ppt/theme/theme1.xml><?xml version="1.0" encoding="utf-8"?>
-<a:theme xmlns:a="http://schemas.openxmlformats.org/drawingml/2006/main" name="ING">
+<a:theme xmlns:a="http://schemas.openxmlformats.org/drawingml/2006/main" name="Nicola">
   <a:themeElements>
     <a:clrScheme name="Office">
       <a:dk1>
@@ -7629,5 +8147,588 @@
     </a:lnDef>
   </a:objectDefaults>
   <a:extraClrSchemeLst/>
+  <a:extLst>
+    <a:ext uri="{05A4C25C-085E-4340-85A3-A5531E510DB2}">
+      <thm15:themeFamily xmlns:thm15="http://schemas.microsoft.com/office/thememl/2012/main" name="00 - Java Introduction" id="{2D0C21C8-6F94-AC4C-8309-F1E5902B85F9}" vid="{1BB67297-C6B5-5C49-B905-92E04B265F5A}"/>
+    </a:ext>
+  </a:extLst>
+</a:theme>
+</file>
+
+<file path=ppt/theme/theme2.xml><?xml version="1.0" encoding="utf-8"?>
+<a:theme xmlns:a="http://schemas.openxmlformats.org/drawingml/2006/main" name="Tema di Office">
+  <a:themeElements>
+    <a:clrScheme name="Office">
+      <a:dk1>
+        <a:sysClr val="windowText" lastClr="000000"/>
+      </a:dk1>
+      <a:lt1>
+        <a:sysClr val="window" lastClr="FFFFFF"/>
+      </a:lt1>
+      <a:dk2>
+        <a:srgbClr val="1F497D"/>
+      </a:dk2>
+      <a:lt2>
+        <a:srgbClr val="EEECE1"/>
+      </a:lt2>
+      <a:accent1>
+        <a:srgbClr val="4F81BD"/>
+      </a:accent1>
+      <a:accent2>
+        <a:srgbClr val="C0504D"/>
+      </a:accent2>
+      <a:accent3>
+        <a:srgbClr val="9BBB59"/>
+      </a:accent3>
+      <a:accent4>
+        <a:srgbClr val="8064A2"/>
+      </a:accent4>
+      <a:accent5>
+        <a:srgbClr val="4BACC6"/>
+      </a:accent5>
+      <a:accent6>
+        <a:srgbClr val="F79646"/>
+      </a:accent6>
+      <a:hlink>
+        <a:srgbClr val="0000FF"/>
+      </a:hlink>
+      <a:folHlink>
+        <a:srgbClr val="800080"/>
+      </a:folHlink>
+    </a:clrScheme>
+    <a:fontScheme name="Office">
+      <a:majorFont>
+        <a:latin typeface="Calibri"/>
+        <a:ea typeface=""/>
+        <a:cs typeface=""/>
+        <a:font script="Jpan" typeface="ＭＳ Ｐゴシック"/>
+        <a:font script="Hang" typeface="맑은 고딕"/>
+        <a:font script="Hans" typeface="宋体"/>
+        <a:font script="Hant" typeface="新細明體"/>
+        <a:font script="Arab" typeface="Times New Roman"/>
+        <a:font script="Hebr" typeface="Times New Roman"/>
+        <a:font script="Thai" typeface="Angsana New"/>
+        <a:font script="Ethi" typeface="Nyala"/>
+        <a:font script="Beng" typeface="Vrinda"/>
+        <a:font script="Gujr" typeface="Shruti"/>
+        <a:font script="Khmr" typeface="MoolBoran"/>
+        <a:font script="Knda" typeface="Tunga"/>
+        <a:font script="Guru" typeface="Raavi"/>
+        <a:font script="Cans" typeface="Euphemia"/>
+        <a:font script="Cher" typeface="Plantagenet Cherokee"/>
+        <a:font script="Yiii" typeface="Microsoft Yi Baiti"/>
+        <a:font script="Tibt" typeface="Microsoft Himalaya"/>
+        <a:font script="Thaa" typeface="MV Boli"/>
+        <a:font script="Deva" typeface="Mangal"/>
+        <a:font script="Telu" typeface="Gautami"/>
+        <a:font script="Taml" typeface="Latha"/>
+        <a:font script="Syrc" typeface="Estrangelo Edessa"/>
+        <a:font script="Orya" typeface="Kalinga"/>
+        <a:font script="Mlym" typeface="Kartika"/>
+        <a:font script="Laoo" typeface="DokChampa"/>
+        <a:font script="Sinh" typeface="Iskoola Pota"/>
+        <a:font script="Mong" typeface="Mongolian Baiti"/>
+        <a:font script="Viet" typeface="Times New Roman"/>
+        <a:font script="Uigh" typeface="Microsoft Uighur"/>
+      </a:majorFont>
+      <a:minorFont>
+        <a:latin typeface="Calibri"/>
+        <a:ea typeface=""/>
+        <a:cs typeface=""/>
+        <a:font script="Jpan" typeface="ＭＳ Ｐゴシック"/>
+        <a:font script="Hang" typeface="맑은 고딕"/>
+        <a:font script="Hans" typeface="宋体"/>
+        <a:font script="Hant" typeface="新細明體"/>
+        <a:font script="Arab" typeface="Arial"/>
+        <a:font script="Hebr" typeface="Arial"/>
+        <a:font script="Thai" typeface="Cordia New"/>
+        <a:font script="Ethi" typeface="Nyala"/>
+        <a:font script="Beng" typeface="Vrinda"/>
+        <a:font script="Gujr" typeface="Shruti"/>
+        <a:font script="Khmr" typeface="DaunPenh"/>
+        <a:font script="Knda" typeface="Tunga"/>
+        <a:font script="Guru" typeface="Raavi"/>
+        <a:font script="Cans" typeface="Euphemia"/>
+        <a:font script="Cher" typeface="Plantagenet Cherokee"/>
+        <a:font script="Yiii" typeface="Microsoft Yi Baiti"/>
+        <a:font script="Tibt" typeface="Microsoft Himalaya"/>
+        <a:font script="Thaa" typeface="MV Boli"/>
+        <a:font script="Deva" typeface="Mangal"/>
+        <a:font script="Telu" typeface="Gautami"/>
+        <a:font script="Taml" typeface="Latha"/>
+        <a:font script="Syrc" typeface="Estrangelo Edessa"/>
+        <a:font script="Orya" typeface="Kalinga"/>
+        <a:font script="Mlym" typeface="Kartika"/>
+        <a:font script="Laoo" typeface="DokChampa"/>
+        <a:font script="Sinh" typeface="Iskoola Pota"/>
+        <a:font script="Mong" typeface="Mongolian Baiti"/>
+        <a:font script="Viet" typeface="Arial"/>
+        <a:font script="Uigh" typeface="Microsoft Uighur"/>
+      </a:minorFont>
+    </a:fontScheme>
+    <a:fmtScheme name="Office">
+      <a:fillStyleLst>
+        <a:solidFill>
+          <a:schemeClr val="phClr"/>
+        </a:solidFill>
+        <a:gradFill rotWithShape="1">
+          <a:gsLst>
+            <a:gs pos="0">
+              <a:schemeClr val="phClr">
+                <a:tint val="50000"/>
+                <a:satMod val="300000"/>
+              </a:schemeClr>
+            </a:gs>
+            <a:gs pos="35000">
+              <a:schemeClr val="phClr">
+                <a:tint val="37000"/>
+                <a:satMod val="300000"/>
+              </a:schemeClr>
+            </a:gs>
+            <a:gs pos="100000">
+              <a:schemeClr val="phClr">
+                <a:tint val="15000"/>
+                <a:satMod val="350000"/>
+              </a:schemeClr>
+            </a:gs>
+          </a:gsLst>
+          <a:lin ang="16200000" scaled="1"/>
+        </a:gradFill>
+        <a:gradFill rotWithShape="1">
+          <a:gsLst>
+            <a:gs pos="0">
+              <a:schemeClr val="phClr">
+                <a:shade val="51000"/>
+                <a:satMod val="130000"/>
+              </a:schemeClr>
+            </a:gs>
+            <a:gs pos="80000">
+              <a:schemeClr val="phClr">
+                <a:shade val="93000"/>
+                <a:satMod val="130000"/>
+              </a:schemeClr>
+            </a:gs>
+            <a:gs pos="100000">
+              <a:schemeClr val="phClr">
+                <a:shade val="94000"/>
+                <a:satMod val="135000"/>
+              </a:schemeClr>
+            </a:gs>
+          </a:gsLst>
+          <a:lin ang="16200000" scaled="0"/>
+        </a:gradFill>
+      </a:fillStyleLst>
+      <a:lnStyleLst>
+        <a:ln w="9525" cap="flat" cmpd="sng" algn="ctr">
+          <a:solidFill>
+            <a:schemeClr val="phClr">
+              <a:shade val="95000"/>
+              <a:satMod val="105000"/>
+            </a:schemeClr>
+          </a:solidFill>
+          <a:prstDash val="solid"/>
+        </a:ln>
+        <a:ln w="25400" cap="flat" cmpd="sng" algn="ctr">
+          <a:solidFill>
+            <a:schemeClr val="phClr"/>
+          </a:solidFill>
+          <a:prstDash val="solid"/>
+        </a:ln>
+        <a:ln w="38100" cap="flat" cmpd="sng" algn="ctr">
+          <a:solidFill>
+            <a:schemeClr val="phClr"/>
+          </a:solidFill>
+          <a:prstDash val="solid"/>
+        </a:ln>
+      </a:lnStyleLst>
+      <a:effectStyleLst>
+        <a:effectStyle>
+          <a:effectLst>
+            <a:outerShdw blurRad="40000" dist="20000" dir="5400000" rotWithShape="0">
+              <a:srgbClr val="000000">
+                <a:alpha val="38000"/>
+              </a:srgbClr>
+            </a:outerShdw>
+          </a:effectLst>
+        </a:effectStyle>
+        <a:effectStyle>
+          <a:effectLst>
+            <a:outerShdw blurRad="40000" dist="23000" dir="5400000" rotWithShape="0">
+              <a:srgbClr val="000000">
+                <a:alpha val="35000"/>
+              </a:srgbClr>
+            </a:outerShdw>
+          </a:effectLst>
+        </a:effectStyle>
+        <a:effectStyle>
+          <a:effectLst>
+            <a:outerShdw blurRad="40000" dist="23000" dir="5400000" rotWithShape="0">
+              <a:srgbClr val="000000">
+                <a:alpha val="35000"/>
+              </a:srgbClr>
+            </a:outerShdw>
+          </a:effectLst>
+          <a:scene3d>
+            <a:camera prst="orthographicFront">
+              <a:rot lat="0" lon="0" rev="0"/>
+            </a:camera>
+            <a:lightRig rig="threePt" dir="t">
+              <a:rot lat="0" lon="0" rev="1200000"/>
+            </a:lightRig>
+          </a:scene3d>
+          <a:sp3d>
+            <a:bevelT w="63500" h="25400"/>
+          </a:sp3d>
+        </a:effectStyle>
+      </a:effectStyleLst>
+      <a:bgFillStyleLst>
+        <a:solidFill>
+          <a:schemeClr val="phClr"/>
+        </a:solidFill>
+        <a:gradFill rotWithShape="1">
+          <a:gsLst>
+            <a:gs pos="0">
+              <a:schemeClr val="phClr">
+                <a:tint val="40000"/>
+                <a:satMod val="350000"/>
+              </a:schemeClr>
+            </a:gs>
+            <a:gs pos="40000">
+              <a:schemeClr val="phClr">
+                <a:tint val="45000"/>
+                <a:shade val="99000"/>
+                <a:satMod val="350000"/>
+              </a:schemeClr>
+            </a:gs>
+            <a:gs pos="100000">
+              <a:schemeClr val="phClr">
+                <a:shade val="20000"/>
+                <a:satMod val="255000"/>
+              </a:schemeClr>
+            </a:gs>
+          </a:gsLst>
+          <a:path path="circle">
+            <a:fillToRect l="50000" t="-80000" r="50000" b="180000"/>
+          </a:path>
+        </a:gradFill>
+        <a:gradFill rotWithShape="1">
+          <a:gsLst>
+            <a:gs pos="0">
+              <a:schemeClr val="phClr">
+                <a:tint val="80000"/>
+                <a:satMod val="300000"/>
+              </a:schemeClr>
+            </a:gs>
+            <a:gs pos="100000">
+              <a:schemeClr val="phClr">
+                <a:shade val="30000"/>
+                <a:satMod val="200000"/>
+              </a:schemeClr>
+            </a:gs>
+          </a:gsLst>
+          <a:path path="circle">
+            <a:fillToRect l="50000" t="50000" r="50000" b="50000"/>
+          </a:path>
+        </a:gradFill>
+      </a:bgFillStyleLst>
+    </a:fmtScheme>
+  </a:themeElements>
+  <a:objectDefaults/>
+  <a:extraClrSchemeLst/>
+</a:theme>
+</file>
+
+<file path=ppt/theme/theme3.xml><?xml version="1.0" encoding="utf-8"?>
+<a:theme xmlns:a="http://schemas.openxmlformats.org/drawingml/2006/main" name="Office Theme">
+  <a:themeElements>
+    <a:clrScheme name="Office">
+      <a:dk1>
+        <a:sysClr val="windowText" lastClr="000000"/>
+      </a:dk1>
+      <a:lt1>
+        <a:sysClr val="window" lastClr="FFFFFF"/>
+      </a:lt1>
+      <a:dk2>
+        <a:srgbClr val="44546A"/>
+      </a:dk2>
+      <a:lt2>
+        <a:srgbClr val="E7E6E6"/>
+      </a:lt2>
+      <a:accent1>
+        <a:srgbClr val="4472C4"/>
+      </a:accent1>
+      <a:accent2>
+        <a:srgbClr val="ED7D31"/>
+      </a:accent2>
+      <a:accent3>
+        <a:srgbClr val="A5A5A5"/>
+      </a:accent3>
+      <a:accent4>
+        <a:srgbClr val="FFC000"/>
+      </a:accent4>
+      <a:accent5>
+        <a:srgbClr val="5B9BD5"/>
+      </a:accent5>
+      <a:accent6>
+        <a:srgbClr val="70AD47"/>
+      </a:accent6>
+      <a:hlink>
+        <a:srgbClr val="0563C1"/>
+      </a:hlink>
+      <a:folHlink>
+        <a:srgbClr val="954F72"/>
+      </a:folHlink>
+    </a:clrScheme>
+    <a:fontScheme name="Office">
+      <a:majorFont>
+        <a:latin typeface="Calibri Light" panose="020F0302020204030204"/>
+        <a:ea typeface=""/>
+        <a:cs typeface=""/>
+        <a:font script="Jpan" typeface="游ゴシック Light"/>
+        <a:font script="Hang" typeface="맑은 고딕"/>
+        <a:font script="Hans" typeface="等线 Light"/>
+        <a:font script="Hant" typeface="新細明體"/>
+        <a:font script="Arab" typeface="Times New Roman"/>
+        <a:font script="Hebr" typeface="Times New Roman"/>
+        <a:font script="Thai" typeface="Angsana New"/>
+        <a:font script="Ethi" typeface="Nyala"/>
+        <a:font script="Beng" typeface="Vrinda"/>
+        <a:font script="Gujr" typeface="Shruti"/>
+        <a:font script="Khmr" typeface="MoolBoran"/>
+        <a:font script="Knda" typeface="Tunga"/>
+        <a:font script="Guru" typeface="Raavi"/>
+        <a:font script="Cans" typeface="Euphemia"/>
+        <a:font script="Cher" typeface="Plantagenet Cherokee"/>
+        <a:font script="Yiii" typeface="Microsoft Yi Baiti"/>
+        <a:font script="Tibt" typeface="Microsoft Himalaya"/>
+        <a:font script="Thaa" typeface="MV Boli"/>
+        <a:font script="Deva" typeface="Mangal"/>
+        <a:font script="Telu" typeface="Gautami"/>
+        <a:font script="Taml" typeface="Latha"/>
+        <a:font script="Syrc" typeface="Estrangelo Edessa"/>
+        <a:font script="Orya" typeface="Kalinga"/>
+        <a:font script="Mlym" typeface="Kartika"/>
+        <a:font script="Laoo" typeface="DokChampa"/>
+        <a:font script="Sinh" typeface="Iskoola Pota"/>
+        <a:font script="Mong" typeface="Mongolian Baiti"/>
+        <a:font script="Viet" typeface="Times New Roman"/>
+        <a:font script="Uigh" typeface="Microsoft Uighur"/>
+        <a:font script="Geor" typeface="Sylfaen"/>
+        <a:font script="Armn" typeface="Arial"/>
+        <a:font script="Bugi" typeface="Leelawadee UI"/>
+        <a:font script="Bopo" typeface="Microsoft JhengHei"/>
+        <a:font script="Java" typeface="Javanese Text"/>
+        <a:font script="Lisu" typeface="Segoe UI"/>
+        <a:font script="Mymr" typeface="Myanmar Text"/>
+        <a:font script="Nkoo" typeface="Ebrima"/>
+        <a:font script="Olck" typeface="Nirmala UI"/>
+        <a:font script="Osma" typeface="Ebrima"/>
+        <a:font script="Phag" typeface="Phagspa"/>
+        <a:font script="Syrn" typeface="Estrangelo Edessa"/>
+        <a:font script="Syrj" typeface="Estrangelo Edessa"/>
+        <a:font script="Syre" typeface="Estrangelo Edessa"/>
+        <a:font script="Sora" typeface="Nirmala UI"/>
+        <a:font script="Tale" typeface="Microsoft Tai Le"/>
+        <a:font script="Talu" typeface="Microsoft New Tai Lue"/>
+        <a:font script="Tfng" typeface="Ebrima"/>
+      </a:majorFont>
+      <a:minorFont>
+        <a:latin typeface="Calibri" panose="020F0502020204030204"/>
+        <a:ea typeface=""/>
+        <a:cs typeface=""/>
+        <a:font script="Jpan" typeface="游ゴシック"/>
+        <a:font script="Hang" typeface="맑은 고딕"/>
+        <a:font script="Hans" typeface="等线"/>
+        <a:font script="Hant" typeface="新細明體"/>
+        <a:font script="Arab" typeface="Arial"/>
+        <a:font script="Hebr" typeface="Arial"/>
+        <a:font script="Thai" typeface="Cordia New"/>
+        <a:font script="Ethi" typeface="Nyala"/>
+        <a:font script="Beng" typeface="Vrinda"/>
+        <a:font script="Gujr" typeface="Shruti"/>
+        <a:font script="Khmr" typeface="DaunPenh"/>
+        <a:font script="Knda" typeface="Tunga"/>
+        <a:font script="Guru" typeface="Raavi"/>
+        <a:font script="Cans" typeface="Euphemia"/>
+        <a:font script="Cher" typeface="Plantagenet Cherokee"/>
+        <a:font script="Yiii" typeface="Microsoft Yi Baiti"/>
+        <a:font script="Tibt" typeface="Microsoft Himalaya"/>
+        <a:font script="Thaa" typeface="MV Boli"/>
+        <a:font script="Deva" typeface="Mangal"/>
+        <a:font script="Telu" typeface="Gautami"/>
+        <a:font script="Taml" typeface="Latha"/>
+        <a:font script="Syrc" typeface="Estrangelo Edessa"/>
+        <a:font script="Orya" typeface="Kalinga"/>
+        <a:font script="Mlym" typeface="Kartika"/>
+        <a:font script="Laoo" typeface="DokChampa"/>
+        <a:font script="Sinh" typeface="Iskoola Pota"/>
+        <a:font script="Mong" typeface="Mongolian Baiti"/>
+        <a:font script="Viet" typeface="Arial"/>
+        <a:font script="Uigh" typeface="Microsoft Uighur"/>
+        <a:font script="Geor" typeface="Sylfaen"/>
+        <a:font script="Armn" typeface="Arial"/>
+        <a:font script="Bugi" typeface="Leelawadee UI"/>
+        <a:font script="Bopo" typeface="Microsoft JhengHei"/>
+        <a:font script="Java" typeface="Javanese Text"/>
+        <a:font script="Lisu" typeface="Segoe UI"/>
+        <a:font script="Mymr" typeface="Myanmar Text"/>
+        <a:font script="Nkoo" typeface="Ebrima"/>
+        <a:font script="Olck" typeface="Nirmala UI"/>
+        <a:font script="Osma" typeface="Ebrima"/>
+        <a:font script="Phag" typeface="Phagspa"/>
+        <a:font script="Syrn" typeface="Estrangelo Edessa"/>
+        <a:font script="Syrj" typeface="Estrangelo Edessa"/>
+        <a:font script="Syre" typeface="Estrangelo Edessa"/>
+        <a:font script="Sora" typeface="Nirmala UI"/>
+        <a:font script="Tale" typeface="Microsoft Tai Le"/>
+        <a:font script="Talu" typeface="Microsoft New Tai Lue"/>
+        <a:font script="Tfng" typeface="Ebrima"/>
+      </a:minorFont>
+    </a:fontScheme>
+    <a:fmtScheme name="Office">
+      <a:fillStyleLst>
+        <a:solidFill>
+          <a:schemeClr val="phClr"/>
+        </a:solidFill>
+        <a:gradFill rotWithShape="1">
+          <a:gsLst>
+            <a:gs pos="0">
+              <a:schemeClr val="phClr">
+                <a:lumMod val="110000"/>
+                <a:satMod val="105000"/>
+                <a:tint val="67000"/>
+              </a:schemeClr>
+            </a:gs>
+            <a:gs pos="50000">
+              <a:schemeClr val="phClr">
+                <a:lumMod val="105000"/>
+                <a:satMod val="103000"/>
+                <a:tint val="73000"/>
+              </a:schemeClr>
+            </a:gs>
+            <a:gs pos="100000">
+              <a:schemeClr val="phClr">
+                <a:lumMod val="105000"/>
+                <a:satMod val="109000"/>
+                <a:tint val="81000"/>
+              </a:schemeClr>
+            </a:gs>
+          </a:gsLst>
+          <a:lin ang="5400000" scaled="0"/>
+        </a:gradFill>
+        <a:gradFill rotWithShape="1">
+          <a:gsLst>
+            <a:gs pos="0">
+              <a:schemeClr val="phClr">
+                <a:satMod val="103000"/>
+                <a:lumMod val="102000"/>
+                <a:tint val="94000"/>
+              </a:schemeClr>
+            </a:gs>
+            <a:gs pos="50000">
+              <a:schemeClr val="phClr">
+                <a:satMod val="110000"/>
+                <a:lumMod val="100000"/>
+                <a:shade val="100000"/>
+              </a:schemeClr>
+            </a:gs>
+            <a:gs pos="100000">
+              <a:schemeClr val="phClr">
+                <a:lumMod val="99000"/>
+                <a:satMod val="120000"/>
+                <a:shade val="78000"/>
+              </a:schemeClr>
+            </a:gs>
+          </a:gsLst>
+          <a:lin ang="5400000" scaled="0"/>
+        </a:gradFill>
+      </a:fillStyleLst>
+      <a:lnStyleLst>
+        <a:ln w="6350" cap="flat" cmpd="sng" algn="ctr">
+          <a:solidFill>
+            <a:schemeClr val="phClr"/>
+          </a:solidFill>
+          <a:prstDash val="solid"/>
+          <a:miter lim="800000"/>
+        </a:ln>
+        <a:ln w="12700" cap="flat" cmpd="sng" algn="ctr">
+          <a:solidFill>
+            <a:schemeClr val="phClr"/>
+          </a:solidFill>
+          <a:prstDash val="solid"/>
+          <a:miter lim="800000"/>
+        </a:ln>
+        <a:ln w="19050" cap="flat" cmpd="sng" algn="ctr">
+          <a:solidFill>
+            <a:schemeClr val="phClr"/>
+          </a:solidFill>
+          <a:prstDash val="solid"/>
+          <a:miter lim="800000"/>
+        </a:ln>
+      </a:lnStyleLst>
+      <a:effectStyleLst>
+        <a:effectStyle>
+          <a:effectLst/>
+        </a:effectStyle>
+        <a:effectStyle>
+          <a:effectLst/>
+        </a:effectStyle>
+        <a:effectStyle>
+          <a:effectLst>
+            <a:outerShdw blurRad="57150" dist="19050" dir="5400000" algn="ctr" rotWithShape="0">
+              <a:srgbClr val="000000">
+                <a:alpha val="63000"/>
+              </a:srgbClr>
+            </a:outerShdw>
+          </a:effectLst>
+        </a:effectStyle>
+      </a:effectStyleLst>
+      <a:bgFillStyleLst>
+        <a:solidFill>
+          <a:schemeClr val="phClr"/>
+        </a:solidFill>
+        <a:solidFill>
+          <a:schemeClr val="phClr">
+            <a:tint val="95000"/>
+            <a:satMod val="170000"/>
+          </a:schemeClr>
+        </a:solidFill>
+        <a:gradFill rotWithShape="1">
+          <a:gsLst>
+            <a:gs pos="0">
+              <a:schemeClr val="phClr">
+                <a:tint val="93000"/>
+                <a:satMod val="150000"/>
+                <a:shade val="98000"/>
+                <a:lumMod val="102000"/>
+              </a:schemeClr>
+            </a:gs>
+            <a:gs pos="50000">
+              <a:schemeClr val="phClr">
+                <a:tint val="98000"/>
+                <a:satMod val="130000"/>
+                <a:shade val="90000"/>
+                <a:lumMod val="103000"/>
+              </a:schemeClr>
+            </a:gs>
+            <a:gs pos="100000">
+              <a:schemeClr val="phClr">
+                <a:shade val="63000"/>
+                <a:satMod val="120000"/>
+              </a:schemeClr>
+            </a:gs>
+          </a:gsLst>
+          <a:lin ang="5400000" scaled="0"/>
+        </a:gradFill>
+      </a:bgFillStyleLst>
+    </a:fmtScheme>
+  </a:themeElements>
+  <a:objectDefaults/>
+  <a:extraClrSchemeLst/>
+  <a:extLst>
+    <a:ext uri="{05A4C25C-085E-4340-85A3-A5531E510DB2}">
+      <thm15:themeFamily xmlns:thm15="http://schemas.microsoft.com/office/thememl/2012/main" name="Office Theme" id="{62F939B6-93AF-4DB8-9C6B-D6C7DFDC589F}" vid="{4A3C46E8-61CC-4603-A589-7422A47A8E4A}"/>
+    </a:ext>
+  </a:extLst>
 </a:theme>
 </file>